--- a/slides/lezione3.pptx
+++ b/slides/lezione3.pptx
@@ -5,7 +5,7 @@
     <p:sldMasterId id="2147483648" r:id="rId1"/>
   </p:sldMasterIdLst>
   <p:notesMasterIdLst>
-    <p:notesMasterId r:id="rId54"/>
+    <p:notesMasterId r:id="rId52"/>
   </p:notesMasterIdLst>
   <p:sldIdLst>
     <p:sldId id="256" r:id="rId2"/>
@@ -41,25 +41,23 @@
     <p:sldId id="288" r:id="rId32"/>
     <p:sldId id="289" r:id="rId33"/>
     <p:sldId id="290" r:id="rId34"/>
-    <p:sldId id="291" r:id="rId35"/>
-    <p:sldId id="292" r:id="rId36"/>
-    <p:sldId id="293" r:id="rId37"/>
-    <p:sldId id="294" r:id="rId38"/>
-    <p:sldId id="295" r:id="rId39"/>
-    <p:sldId id="296" r:id="rId40"/>
-    <p:sldId id="267" r:id="rId41"/>
-    <p:sldId id="297" r:id="rId42"/>
-    <p:sldId id="298" r:id="rId43"/>
-    <p:sldId id="299" r:id="rId44"/>
-    <p:sldId id="300" r:id="rId45"/>
-    <p:sldId id="301" r:id="rId46"/>
-    <p:sldId id="302" r:id="rId47"/>
-    <p:sldId id="303" r:id="rId48"/>
-    <p:sldId id="304" r:id="rId49"/>
-    <p:sldId id="305" r:id="rId50"/>
-    <p:sldId id="306" r:id="rId51"/>
-    <p:sldId id="307" r:id="rId52"/>
-    <p:sldId id="268" r:id="rId53"/>
+    <p:sldId id="308" r:id="rId35"/>
+    <p:sldId id="313" r:id="rId36"/>
+    <p:sldId id="291" r:id="rId37"/>
+    <p:sldId id="292" r:id="rId38"/>
+    <p:sldId id="293" r:id="rId39"/>
+    <p:sldId id="294" r:id="rId40"/>
+    <p:sldId id="295" r:id="rId41"/>
+    <p:sldId id="296" r:id="rId42"/>
+    <p:sldId id="267" r:id="rId43"/>
+    <p:sldId id="297" r:id="rId44"/>
+    <p:sldId id="298" r:id="rId45"/>
+    <p:sldId id="299" r:id="rId46"/>
+    <p:sldId id="300" r:id="rId47"/>
+    <p:sldId id="301" r:id="rId48"/>
+    <p:sldId id="309" r:id="rId49"/>
+    <p:sldId id="311" r:id="rId50"/>
+    <p:sldId id="312" r:id="rId51"/>
   </p:sldIdLst>
   <p:sldSz cx="12192000" cy="6858000"/>
   <p:notesSz cx="6858000" cy="9144000"/>
@@ -248,7 +246,7 @@
           <a:p>
             <a:fld id="{E39E4411-F617-6844-B543-1D0C1529BD09}" type="datetimeFigureOut">
               <a:rPr lang="en-US" smtClean="0"/>
-              <a:t>12/25/25</a:t>
+              <a:t>12/26/2025</a:t>
             </a:fld>
             <a:endParaRPr lang="en-US"/>
           </a:p>
@@ -406,7 +404,7 @@
           <a:p>
             <a:fld id="{D511362C-BAF5-F649-B307-735187DD2A6B}" type="slidenum">
               <a:rPr lang="en-US" smtClean="0"/>
-              <a:t>‹#›</a:t>
+              <a:t>‹N›</a:t>
             </a:fld>
             <a:endParaRPr lang="en-US"/>
           </a:p>
@@ -718,7 +716,7 @@
           <a:p>
             <a:fld id="{B7C12E76-5DE4-834B-BE10-AD31AA7B20EC}" type="slidenum">
               <a:rPr lang="en-US" smtClean="0"/>
-              <a:t>‹#›</a:t>
+              <a:t>‹N›</a:t>
             </a:fld>
             <a:endParaRPr lang="en-US"/>
           </a:p>
@@ -918,7 +916,7 @@
           <a:p>
             <a:fld id="{B7C12E76-5DE4-834B-BE10-AD31AA7B20EC}" type="slidenum">
               <a:rPr lang="en-US" smtClean="0"/>
-              <a:t>‹#›</a:t>
+              <a:t>‹N›</a:t>
             </a:fld>
             <a:endParaRPr lang="en-US"/>
           </a:p>
@@ -1128,7 +1126,7 @@
           <a:p>
             <a:fld id="{B7C12E76-5DE4-834B-BE10-AD31AA7B20EC}" type="slidenum">
               <a:rPr lang="en-US" smtClean="0"/>
-              <a:t>‹#›</a:t>
+              <a:t>‹N›</a:t>
             </a:fld>
             <a:endParaRPr lang="en-US"/>
           </a:p>
@@ -1328,7 +1326,7 @@
           <a:p>
             <a:fld id="{B7C12E76-5DE4-834B-BE10-AD31AA7B20EC}" type="slidenum">
               <a:rPr lang="en-US" smtClean="0"/>
-              <a:t>‹#›</a:t>
+              <a:t>‹N›</a:t>
             </a:fld>
             <a:endParaRPr lang="en-US"/>
           </a:p>
@@ -1605,7 +1603,7 @@
           <a:p>
             <a:fld id="{B7C12E76-5DE4-834B-BE10-AD31AA7B20EC}" type="slidenum">
               <a:rPr lang="en-US" smtClean="0"/>
-              <a:t>‹#›</a:t>
+              <a:t>‹N›</a:t>
             </a:fld>
             <a:endParaRPr lang="en-US"/>
           </a:p>
@@ -1872,7 +1870,7 @@
           <a:p>
             <a:fld id="{B7C12E76-5DE4-834B-BE10-AD31AA7B20EC}" type="slidenum">
               <a:rPr lang="en-US" smtClean="0"/>
-              <a:t>‹#›</a:t>
+              <a:t>‹N›</a:t>
             </a:fld>
             <a:endParaRPr lang="en-US"/>
           </a:p>
@@ -2286,7 +2284,7 @@
           <a:p>
             <a:fld id="{B7C12E76-5DE4-834B-BE10-AD31AA7B20EC}" type="slidenum">
               <a:rPr lang="en-US" smtClean="0"/>
-              <a:t>‹#›</a:t>
+              <a:t>‹N›</a:t>
             </a:fld>
             <a:endParaRPr lang="en-US"/>
           </a:p>
@@ -2429,7 +2427,7 @@
           <a:p>
             <a:fld id="{B7C12E76-5DE4-834B-BE10-AD31AA7B20EC}" type="slidenum">
               <a:rPr lang="en-US" smtClean="0"/>
-              <a:t>‹#›</a:t>
+              <a:t>‹N›</a:t>
             </a:fld>
             <a:endParaRPr lang="en-US"/>
           </a:p>
@@ -2544,7 +2542,7 @@
           <a:p>
             <a:fld id="{B7C12E76-5DE4-834B-BE10-AD31AA7B20EC}" type="slidenum">
               <a:rPr lang="en-US" smtClean="0"/>
-              <a:t>‹#›</a:t>
+              <a:t>‹N›</a:t>
             </a:fld>
             <a:endParaRPr lang="en-US"/>
           </a:p>
@@ -2857,7 +2855,7 @@
           <a:p>
             <a:fld id="{B7C12E76-5DE4-834B-BE10-AD31AA7B20EC}" type="slidenum">
               <a:rPr lang="en-US" smtClean="0"/>
-              <a:t>‹#›</a:t>
+              <a:t>‹N›</a:t>
             </a:fld>
             <a:endParaRPr lang="en-US"/>
           </a:p>
@@ -3150,7 +3148,7 @@
           <a:p>
             <a:fld id="{B7C12E76-5DE4-834B-BE10-AD31AA7B20EC}" type="slidenum">
               <a:rPr lang="en-US" smtClean="0"/>
-              <a:t>‹#›</a:t>
+              <a:t>‹N›</a:t>
             </a:fld>
             <a:endParaRPr lang="en-US"/>
           </a:p>
@@ -3431,7 +3429,7 @@
           <a:p>
             <a:fld id="{B7C12E76-5DE4-834B-BE10-AD31AA7B20EC}" type="slidenum">
               <a:rPr lang="en-US" smtClean="0"/>
-              <a:t>‹#›</a:t>
+              <a:t>‹N›</a:t>
             </a:fld>
             <a:endParaRPr lang="en-US"/>
           </a:p>
@@ -3784,6 +3782,13 @@
               <a:rPr lang="it-IT" noProof="0" dirty="0"/>
               <a:t>Lezione 3</a:t>
             </a:r>
+            <a:br>
+              <a:rPr lang="it-IT" noProof="0" dirty="0"/>
+            </a:br>
+            <a:r>
+              <a:rPr lang="it-IT" noProof="0" dirty="0"/>
+              <a:t>Digital systems &amp; VHDL</a:t>
+            </a:r>
           </a:p>
         </p:txBody>
       </p:sp>
@@ -12333,10 +12338,10 @@
       </p:grpSpPr>
       <p:sp>
         <p:nvSpPr>
-          <p:cNvPr id="2" name="Title 1">
-            <a:extLst>
-              <a:ext uri="{FF2B5EF4-FFF2-40B4-BE49-F238E27FC236}">
-                <a16:creationId xmlns:a16="http://schemas.microsoft.com/office/drawing/2014/main" id="{8CB40A97-CB73-65E6-35D0-CE0F63530940}"/>
+          <p:cNvPr id="2" name="Titolo 1">
+            <a:extLst>
+              <a:ext uri="{FF2B5EF4-FFF2-40B4-BE49-F238E27FC236}">
+                <a16:creationId xmlns:a16="http://schemas.microsoft.com/office/drawing/2014/main" id="{FC7C9A39-C21B-C4ED-A266-FC210D78894C}"/>
               </a:ext>
             </a:extLst>
           </p:cNvPr>
@@ -12349,25 +12354,39 @@
         </p:nvSpPr>
         <p:spPr/>
         <p:txBody>
-          <a:bodyPr>
-            <a:normAutofit/>
-          </a:bodyPr>
-          <a:lstStyle/>
-          <a:p>
-            <a:r>
-              <a:rPr lang="en-US" i="1" dirty="0"/>
-              <a:t>Boolean algebra</a:t>
-            </a:r>
-            <a:endParaRPr lang="en-US" dirty="0"/>
-          </a:p>
-        </p:txBody>
-      </p:sp>
-      <p:sp>
-        <p:nvSpPr>
-          <p:cNvPr id="3" name="Date Placeholder 2">
-            <a:extLst>
-              <a:ext uri="{FF2B5EF4-FFF2-40B4-BE49-F238E27FC236}">
-                <a16:creationId xmlns:a16="http://schemas.microsoft.com/office/drawing/2014/main" id="{57A24DBC-A1F2-D7C8-3FB4-0F307875A338}"/>
+          <a:bodyPr/>
+          <a:lstStyle/>
+          <a:p>
+            <a:r>
+              <a:rPr lang="it-IT" dirty="0" err="1"/>
+              <a:t>Numeric</a:t>
+            </a:r>
+            <a:r>
+              <a:rPr lang="it-IT" dirty="0"/>
+              <a:t> </a:t>
+            </a:r>
+            <a:r>
+              <a:rPr lang="it-IT" dirty="0" err="1"/>
+              <a:t>Std</a:t>
+            </a:r>
+            <a:r>
+              <a:rPr lang="it-IT" dirty="0"/>
+              <a:t> </a:t>
+            </a:r>
+            <a:r>
+              <a:rPr lang="it-IT" dirty="0" err="1"/>
+              <a:t>Conversions</a:t>
+            </a:r>
+            <a:endParaRPr lang="it-IT" dirty="0"/>
+          </a:p>
+        </p:txBody>
+      </p:sp>
+      <p:sp>
+        <p:nvSpPr>
+          <p:cNvPr id="3" name="Segnaposto data 2">
+            <a:extLst>
+              <a:ext uri="{FF2B5EF4-FFF2-40B4-BE49-F238E27FC236}">
+                <a16:creationId xmlns:a16="http://schemas.microsoft.com/office/drawing/2014/main" id="{4AA2B6D8-DFBE-F7C3-633F-505373B8E3C0}"/>
               </a:ext>
             </a:extLst>
           </p:cNvPr>
@@ -12392,10 +12411,10 @@
       </p:sp>
       <p:sp>
         <p:nvSpPr>
-          <p:cNvPr id="4" name="Footer Placeholder 3">
-            <a:extLst>
-              <a:ext uri="{FF2B5EF4-FFF2-40B4-BE49-F238E27FC236}">
-                <a16:creationId xmlns:a16="http://schemas.microsoft.com/office/drawing/2014/main" id="{B620A5F7-EDF0-6270-399C-21070410011F}"/>
+          <p:cNvPr id="4" name="Segnaposto piè di pagina 3">
+            <a:extLst>
+              <a:ext uri="{FF2B5EF4-FFF2-40B4-BE49-F238E27FC236}">
+                <a16:creationId xmlns:a16="http://schemas.microsoft.com/office/drawing/2014/main" id="{B0750F6C-16A3-E31E-79E0-CCBCA512A45D}"/>
               </a:ext>
             </a:extLst>
           </p:cNvPr>
@@ -12420,10 +12439,10 @@
       </p:sp>
       <p:sp>
         <p:nvSpPr>
-          <p:cNvPr id="5" name="Slide Number Placeholder 4">
-            <a:extLst>
-              <a:ext uri="{FF2B5EF4-FFF2-40B4-BE49-F238E27FC236}">
-                <a16:creationId xmlns:a16="http://schemas.microsoft.com/office/drawing/2014/main" id="{5DB20FAF-4133-C568-44DA-7596977E2175}"/>
+          <p:cNvPr id="5" name="Segnaposto numero diapositiva 4">
+            <a:extLst>
+              <a:ext uri="{FF2B5EF4-FFF2-40B4-BE49-F238E27FC236}">
+                <a16:creationId xmlns:a16="http://schemas.microsoft.com/office/drawing/2014/main" id="{7E66F722-8B42-AE49-C668-B0EC77FD6D13}"/>
               </a:ext>
             </a:extLst>
           </p:cNvPr>
@@ -12447,10 +12466,41 @@
           </a:p>
         </p:txBody>
       </p:sp>
+      <p:pic>
+        <p:nvPicPr>
+          <p:cNvPr id="6" name="Immagine 5">
+            <a:extLst>
+              <a:ext uri="{FF2B5EF4-FFF2-40B4-BE49-F238E27FC236}">
+                <a16:creationId xmlns:a16="http://schemas.microsoft.com/office/drawing/2014/main" id="{178A51B9-A3F0-0257-1C2A-6213AD9C47B3}"/>
+              </a:ext>
+            </a:extLst>
+          </p:cNvPr>
+          <p:cNvPicPr>
+            <a:picLocks noChangeAspect="1"/>
+          </p:cNvPicPr>
+          <p:nvPr/>
+        </p:nvPicPr>
+        <p:blipFill>
+          <a:blip r:embed="rId2"/>
+          <a:srcRect l="3523" t="12558" r="2932" b="1262"/>
+          <a:stretch>
+            <a:fillRect/>
+          </a:stretch>
+        </p:blipFill>
+        <p:spPr>
+          <a:xfrm>
+            <a:off x="2698172" y="1185334"/>
+            <a:ext cx="6795656" cy="4685632"/>
+          </a:xfrm>
+          <a:prstGeom prst="rect">
+            <a:avLst/>
+          </a:prstGeom>
+        </p:spPr>
+      </p:pic>
     </p:spTree>
     <p:extLst>
       <p:ext uri="{BB962C8B-B14F-4D97-AF65-F5344CB8AC3E}">
-        <p14:creationId xmlns:p14="http://schemas.microsoft.com/office/powerpoint/2010/main" val="3160103743"/>
+        <p14:creationId xmlns:p14="http://schemas.microsoft.com/office/powerpoint/2010/main" val="645705171"/>
       </p:ext>
     </p:extLst>
   </p:cSld>
@@ -12479,10 +12529,10 @@
       </p:grpSpPr>
       <p:sp>
         <p:nvSpPr>
-          <p:cNvPr id="2" name="Title 1">
-            <a:extLst>
-              <a:ext uri="{FF2B5EF4-FFF2-40B4-BE49-F238E27FC236}">
-                <a16:creationId xmlns:a16="http://schemas.microsoft.com/office/drawing/2014/main" id="{E512C588-7C9C-3457-5924-D572DD9DA316}"/>
+          <p:cNvPr id="2" name="Titolo 1">
+            <a:extLst>
+              <a:ext uri="{FF2B5EF4-FFF2-40B4-BE49-F238E27FC236}">
+                <a16:creationId xmlns:a16="http://schemas.microsoft.com/office/drawing/2014/main" id="{57A02971-2587-4ECA-1F20-F3C1AF31294E}"/>
               </a:ext>
             </a:extLst>
           </p:cNvPr>
@@ -12501,19 +12551,23 @@
           <a:lstStyle/>
           <a:p>
             <a:r>
-              <a:rPr lang="en-US" i="1" dirty="0"/>
-              <a:t>NOT gate</a:t>
-            </a:r>
-            <a:endParaRPr lang="en-US" dirty="0"/>
-          </a:p>
-        </p:txBody>
-      </p:sp>
-      <p:sp>
-        <p:nvSpPr>
-          <p:cNvPr id="3" name="Date Placeholder 2">
-            <a:extLst>
-              <a:ext uri="{FF2B5EF4-FFF2-40B4-BE49-F238E27FC236}">
-                <a16:creationId xmlns:a16="http://schemas.microsoft.com/office/drawing/2014/main" id="{CD951263-E642-DCCB-2731-D5F957BA54D7}"/>
+              <a:rPr lang="it-IT" dirty="0"/>
+              <a:t>Composite </a:t>
+            </a:r>
+            <a:r>
+              <a:rPr lang="it-IT" dirty="0" err="1"/>
+              <a:t>type</a:t>
+            </a:r>
+            <a:endParaRPr lang="it-IT" dirty="0"/>
+          </a:p>
+        </p:txBody>
+      </p:sp>
+      <p:sp>
+        <p:nvSpPr>
+          <p:cNvPr id="3" name="Segnaposto data 2">
+            <a:extLst>
+              <a:ext uri="{FF2B5EF4-FFF2-40B4-BE49-F238E27FC236}">
+                <a16:creationId xmlns:a16="http://schemas.microsoft.com/office/drawing/2014/main" id="{80C3484B-9ECF-B4E4-34FD-21480644F94C}"/>
               </a:ext>
             </a:extLst>
           </p:cNvPr>
@@ -12538,10 +12592,10 @@
       </p:sp>
       <p:sp>
         <p:nvSpPr>
-          <p:cNvPr id="4" name="Footer Placeholder 3">
-            <a:extLst>
-              <a:ext uri="{FF2B5EF4-FFF2-40B4-BE49-F238E27FC236}">
-                <a16:creationId xmlns:a16="http://schemas.microsoft.com/office/drawing/2014/main" id="{DDB3506C-0E15-1083-AF88-75F74A05D618}"/>
+          <p:cNvPr id="4" name="Segnaposto piè di pagina 3">
+            <a:extLst>
+              <a:ext uri="{FF2B5EF4-FFF2-40B4-BE49-F238E27FC236}">
+                <a16:creationId xmlns:a16="http://schemas.microsoft.com/office/drawing/2014/main" id="{1F5098D4-57F5-909F-E8A2-317877593B56}"/>
               </a:ext>
             </a:extLst>
           </p:cNvPr>
@@ -12566,10 +12620,10 @@
       </p:sp>
       <p:sp>
         <p:nvSpPr>
-          <p:cNvPr id="5" name="Slide Number Placeholder 4">
-            <a:extLst>
-              <a:ext uri="{FF2B5EF4-FFF2-40B4-BE49-F238E27FC236}">
-                <a16:creationId xmlns:a16="http://schemas.microsoft.com/office/drawing/2014/main" id="{28901CB3-F7A2-E294-D762-792BDC1DD9D0}"/>
+          <p:cNvPr id="5" name="Segnaposto numero diapositiva 4">
+            <a:extLst>
+              <a:ext uri="{FF2B5EF4-FFF2-40B4-BE49-F238E27FC236}">
+                <a16:creationId xmlns:a16="http://schemas.microsoft.com/office/drawing/2014/main" id="{A0833F7B-91F2-4777-9246-A22C36240CE3}"/>
               </a:ext>
             </a:extLst>
           </p:cNvPr>
@@ -12588,6 +12642,432 @@
             <a:fld id="{B7C12E76-5DE4-834B-BE10-AD31AA7B20EC}" type="slidenum">
               <a:rPr lang="en-US" smtClean="0"/>
               <a:t>35</a:t>
+            </a:fld>
+            <a:endParaRPr lang="en-US"/>
+          </a:p>
+        </p:txBody>
+      </p:sp>
+      <p:sp>
+        <p:nvSpPr>
+          <p:cNvPr id="7" name="CasellaDiTesto 6">
+            <a:extLst>
+              <a:ext uri="{FF2B5EF4-FFF2-40B4-BE49-F238E27FC236}">
+                <a16:creationId xmlns:a16="http://schemas.microsoft.com/office/drawing/2014/main" id="{AA219E6F-634E-022F-0C38-A25A73D64D01}"/>
+              </a:ext>
+            </a:extLst>
+          </p:cNvPr>
+          <p:cNvSpPr txBox="1"/>
+          <p:nvPr/>
+        </p:nvSpPr>
+        <p:spPr>
+          <a:xfrm>
+            <a:off x="536029" y="1035223"/>
+            <a:ext cx="7157544" cy="369332"/>
+          </a:xfrm>
+          <a:prstGeom prst="rect">
+            <a:avLst/>
+          </a:prstGeom>
+          <a:noFill/>
+        </p:spPr>
+        <p:txBody>
+          <a:bodyPr wrap="square">
+            <a:spAutoFit/>
+          </a:bodyPr>
+          <a:lstStyle/>
+          <a:p>
+            <a:r>
+              <a:rPr lang="en-US" dirty="0"/>
+              <a:t>A composite type is a datatype consisting of several </a:t>
+            </a:r>
+            <a:r>
+              <a:rPr lang="en-US" dirty="0" err="1"/>
+              <a:t>subelements</a:t>
+            </a:r>
+            <a:r>
+              <a:rPr lang="en-US" dirty="0"/>
+              <a:t>.</a:t>
+            </a:r>
+            <a:endParaRPr lang="it-IT" dirty="0"/>
+          </a:p>
+        </p:txBody>
+      </p:sp>
+      <p:pic>
+        <p:nvPicPr>
+          <p:cNvPr id="9" name="Immagine 8" descr="Immagine che contiene testo, schermata, Carattere, numero&#10;&#10;Il contenuto generato dall'IA potrebbe non essere corretto.">
+            <a:extLst>
+              <a:ext uri="{FF2B5EF4-FFF2-40B4-BE49-F238E27FC236}">
+                <a16:creationId xmlns:a16="http://schemas.microsoft.com/office/drawing/2014/main" id="{E9800FE2-8D4F-2D41-938C-2EC45754A2C1}"/>
+              </a:ext>
+            </a:extLst>
+          </p:cNvPr>
+          <p:cNvPicPr>
+            <a:picLocks noChangeAspect="1"/>
+          </p:cNvPicPr>
+          <p:nvPr/>
+        </p:nvPicPr>
+        <p:blipFill>
+          <a:blip r:embed="rId2"/>
+          <a:stretch>
+            <a:fillRect/>
+          </a:stretch>
+        </p:blipFill>
+        <p:spPr>
+          <a:xfrm>
+            <a:off x="5413377" y="1410069"/>
+            <a:ext cx="6600825" cy="2667000"/>
+          </a:xfrm>
+          <a:prstGeom prst="rect">
+            <a:avLst/>
+          </a:prstGeom>
+        </p:spPr>
+      </p:pic>
+      <p:pic>
+        <p:nvPicPr>
+          <p:cNvPr id="11" name="Immagine 10">
+            <a:extLst>
+              <a:ext uri="{FF2B5EF4-FFF2-40B4-BE49-F238E27FC236}">
+                <a16:creationId xmlns:a16="http://schemas.microsoft.com/office/drawing/2014/main" id="{6ED32885-C44A-10ED-4B6B-FA428AE0CA9F}"/>
+              </a:ext>
+            </a:extLst>
+          </p:cNvPr>
+          <p:cNvPicPr>
+            <a:picLocks noChangeAspect="1"/>
+          </p:cNvPicPr>
+          <p:nvPr/>
+        </p:nvPicPr>
+        <p:blipFill>
+          <a:blip r:embed="rId3"/>
+          <a:stretch>
+            <a:fillRect/>
+          </a:stretch>
+        </p:blipFill>
+        <p:spPr>
+          <a:xfrm>
+            <a:off x="919162" y="4372569"/>
+            <a:ext cx="10391775" cy="419100"/>
+          </a:xfrm>
+          <a:prstGeom prst="rect">
+            <a:avLst/>
+          </a:prstGeom>
+        </p:spPr>
+      </p:pic>
+      <p:pic>
+        <p:nvPicPr>
+          <p:cNvPr id="13" name="Immagine 12">
+            <a:extLst>
+              <a:ext uri="{FF2B5EF4-FFF2-40B4-BE49-F238E27FC236}">
+                <a16:creationId xmlns:a16="http://schemas.microsoft.com/office/drawing/2014/main" id="{CD3B72F7-DCC8-8374-A05A-8B94F06E75A4}"/>
+              </a:ext>
+            </a:extLst>
+          </p:cNvPr>
+          <p:cNvPicPr>
+            <a:picLocks noChangeAspect="1"/>
+          </p:cNvPicPr>
+          <p:nvPr/>
+        </p:nvPicPr>
+        <p:blipFill>
+          <a:blip r:embed="rId4"/>
+          <a:stretch>
+            <a:fillRect/>
+          </a:stretch>
+        </p:blipFill>
+        <p:spPr>
+          <a:xfrm>
+            <a:off x="919162" y="4860779"/>
+            <a:ext cx="10353675" cy="1276350"/>
+          </a:xfrm>
+          <a:prstGeom prst="rect">
+            <a:avLst/>
+          </a:prstGeom>
+        </p:spPr>
+      </p:pic>
+    </p:spTree>
+    <p:extLst>
+      <p:ext uri="{BB962C8B-B14F-4D97-AF65-F5344CB8AC3E}">
+        <p14:creationId xmlns:p14="http://schemas.microsoft.com/office/powerpoint/2010/main" val="2283587638"/>
+      </p:ext>
+    </p:extLst>
+  </p:cSld>
+  <p:clrMapOvr>
+    <a:masterClrMapping/>
+  </p:clrMapOvr>
+</p:sld>
+</file>
+
+<file path=ppt/slides/slide36.xml><?xml version="1.0" encoding="utf-8"?>
+<p:sld xmlns:a="http://schemas.openxmlformats.org/drawingml/2006/main" xmlns:r="http://schemas.openxmlformats.org/officeDocument/2006/relationships" xmlns:p="http://schemas.openxmlformats.org/presentationml/2006/main">
+  <p:cSld>
+    <p:spTree>
+      <p:nvGrpSpPr>
+        <p:cNvPr id="1" name=""/>
+        <p:cNvGrpSpPr/>
+        <p:nvPr/>
+      </p:nvGrpSpPr>
+      <p:grpSpPr>
+        <a:xfrm>
+          <a:off x="0" y="0"/>
+          <a:ext cx="0" cy="0"/>
+          <a:chOff x="0" y="0"/>
+          <a:chExt cx="0" cy="0"/>
+        </a:xfrm>
+      </p:grpSpPr>
+      <p:sp>
+        <p:nvSpPr>
+          <p:cNvPr id="2" name="Title 1">
+            <a:extLst>
+              <a:ext uri="{FF2B5EF4-FFF2-40B4-BE49-F238E27FC236}">
+                <a16:creationId xmlns:a16="http://schemas.microsoft.com/office/drawing/2014/main" id="{8CB40A97-CB73-65E6-35D0-CE0F63530940}"/>
+              </a:ext>
+            </a:extLst>
+          </p:cNvPr>
+          <p:cNvSpPr>
+            <a:spLocks noGrp="1"/>
+          </p:cNvSpPr>
+          <p:nvPr>
+            <p:ph type="title"/>
+          </p:nvPr>
+        </p:nvSpPr>
+        <p:spPr/>
+        <p:txBody>
+          <a:bodyPr>
+            <a:normAutofit/>
+          </a:bodyPr>
+          <a:lstStyle/>
+          <a:p>
+            <a:r>
+              <a:rPr lang="en-US" i="1" dirty="0"/>
+              <a:t>Boolean algebra</a:t>
+            </a:r>
+            <a:endParaRPr lang="en-US" dirty="0"/>
+          </a:p>
+        </p:txBody>
+      </p:sp>
+      <p:sp>
+        <p:nvSpPr>
+          <p:cNvPr id="3" name="Date Placeholder 2">
+            <a:extLst>
+              <a:ext uri="{FF2B5EF4-FFF2-40B4-BE49-F238E27FC236}">
+                <a16:creationId xmlns:a16="http://schemas.microsoft.com/office/drawing/2014/main" id="{57A24DBC-A1F2-D7C8-3FB4-0F307875A338}"/>
+              </a:ext>
+            </a:extLst>
+          </p:cNvPr>
+          <p:cNvSpPr>
+            <a:spLocks noGrp="1"/>
+          </p:cNvSpPr>
+          <p:nvPr>
+            <p:ph type="dt" sz="half" idx="10"/>
+          </p:nvPr>
+        </p:nvSpPr>
+        <p:spPr/>
+        <p:txBody>
+          <a:bodyPr/>
+          <a:lstStyle/>
+          <a:p>
+            <a:r>
+              <a:rPr lang="en-US"/>
+              <a:t>19/01/2026</a:t>
+            </a:r>
+          </a:p>
+        </p:txBody>
+      </p:sp>
+      <p:sp>
+        <p:nvSpPr>
+          <p:cNvPr id="4" name="Footer Placeholder 3">
+            <a:extLst>
+              <a:ext uri="{FF2B5EF4-FFF2-40B4-BE49-F238E27FC236}">
+                <a16:creationId xmlns:a16="http://schemas.microsoft.com/office/drawing/2014/main" id="{B620A5F7-EDF0-6270-399C-21070410011F}"/>
+              </a:ext>
+            </a:extLst>
+          </p:cNvPr>
+          <p:cNvSpPr>
+            <a:spLocks noGrp="1"/>
+          </p:cNvSpPr>
+          <p:nvPr>
+            <p:ph type="ftr" sz="quarter" idx="11"/>
+          </p:nvPr>
+        </p:nvSpPr>
+        <p:spPr/>
+        <p:txBody>
+          <a:bodyPr/>
+          <a:lstStyle/>
+          <a:p>
+            <a:r>
+              <a:rPr lang="en-US"/>
+              <a:t>Stefan Cristi Zugravel, elettronica base, TPS lezione 3</a:t>
+            </a:r>
+          </a:p>
+        </p:txBody>
+      </p:sp>
+      <p:sp>
+        <p:nvSpPr>
+          <p:cNvPr id="5" name="Slide Number Placeholder 4">
+            <a:extLst>
+              <a:ext uri="{FF2B5EF4-FFF2-40B4-BE49-F238E27FC236}">
+                <a16:creationId xmlns:a16="http://schemas.microsoft.com/office/drawing/2014/main" id="{5DB20FAF-4133-C568-44DA-7596977E2175}"/>
+              </a:ext>
+            </a:extLst>
+          </p:cNvPr>
+          <p:cNvSpPr>
+            <a:spLocks noGrp="1"/>
+          </p:cNvSpPr>
+          <p:nvPr>
+            <p:ph type="sldNum" sz="quarter" idx="12"/>
+          </p:nvPr>
+        </p:nvSpPr>
+        <p:spPr/>
+        <p:txBody>
+          <a:bodyPr/>
+          <a:lstStyle/>
+          <a:p>
+            <a:fld id="{B7C12E76-5DE4-834B-BE10-AD31AA7B20EC}" type="slidenum">
+              <a:rPr lang="en-US" smtClean="0"/>
+              <a:t>36</a:t>
+            </a:fld>
+            <a:endParaRPr lang="en-US"/>
+          </a:p>
+        </p:txBody>
+      </p:sp>
+    </p:spTree>
+    <p:extLst>
+      <p:ext uri="{BB962C8B-B14F-4D97-AF65-F5344CB8AC3E}">
+        <p14:creationId xmlns:p14="http://schemas.microsoft.com/office/powerpoint/2010/main" val="3160103743"/>
+      </p:ext>
+    </p:extLst>
+  </p:cSld>
+  <p:clrMapOvr>
+    <a:masterClrMapping/>
+  </p:clrMapOvr>
+</p:sld>
+</file>
+
+<file path=ppt/slides/slide37.xml><?xml version="1.0" encoding="utf-8"?>
+<p:sld xmlns:a="http://schemas.openxmlformats.org/drawingml/2006/main" xmlns:r="http://schemas.openxmlformats.org/officeDocument/2006/relationships" xmlns:p="http://schemas.openxmlformats.org/presentationml/2006/main">
+  <p:cSld>
+    <p:spTree>
+      <p:nvGrpSpPr>
+        <p:cNvPr id="1" name=""/>
+        <p:cNvGrpSpPr/>
+        <p:nvPr/>
+      </p:nvGrpSpPr>
+      <p:grpSpPr>
+        <a:xfrm>
+          <a:off x="0" y="0"/>
+          <a:ext cx="0" cy="0"/>
+          <a:chOff x="0" y="0"/>
+          <a:chExt cx="0" cy="0"/>
+        </a:xfrm>
+      </p:grpSpPr>
+      <p:sp>
+        <p:nvSpPr>
+          <p:cNvPr id="2" name="Title 1">
+            <a:extLst>
+              <a:ext uri="{FF2B5EF4-FFF2-40B4-BE49-F238E27FC236}">
+                <a16:creationId xmlns:a16="http://schemas.microsoft.com/office/drawing/2014/main" id="{E512C588-7C9C-3457-5924-D572DD9DA316}"/>
+              </a:ext>
+            </a:extLst>
+          </p:cNvPr>
+          <p:cNvSpPr>
+            <a:spLocks noGrp="1"/>
+          </p:cNvSpPr>
+          <p:nvPr>
+            <p:ph type="title"/>
+          </p:nvPr>
+        </p:nvSpPr>
+        <p:spPr/>
+        <p:txBody>
+          <a:bodyPr>
+            <a:normAutofit/>
+          </a:bodyPr>
+          <a:lstStyle/>
+          <a:p>
+            <a:r>
+              <a:rPr lang="en-US" i="1" dirty="0"/>
+              <a:t>NOT gate</a:t>
+            </a:r>
+            <a:endParaRPr lang="en-US" dirty="0"/>
+          </a:p>
+        </p:txBody>
+      </p:sp>
+      <p:sp>
+        <p:nvSpPr>
+          <p:cNvPr id="3" name="Date Placeholder 2">
+            <a:extLst>
+              <a:ext uri="{FF2B5EF4-FFF2-40B4-BE49-F238E27FC236}">
+                <a16:creationId xmlns:a16="http://schemas.microsoft.com/office/drawing/2014/main" id="{CD951263-E642-DCCB-2731-D5F957BA54D7}"/>
+              </a:ext>
+            </a:extLst>
+          </p:cNvPr>
+          <p:cNvSpPr>
+            <a:spLocks noGrp="1"/>
+          </p:cNvSpPr>
+          <p:nvPr>
+            <p:ph type="dt" sz="half" idx="10"/>
+          </p:nvPr>
+        </p:nvSpPr>
+        <p:spPr/>
+        <p:txBody>
+          <a:bodyPr/>
+          <a:lstStyle/>
+          <a:p>
+            <a:r>
+              <a:rPr lang="en-US"/>
+              <a:t>19/01/2026</a:t>
+            </a:r>
+          </a:p>
+        </p:txBody>
+      </p:sp>
+      <p:sp>
+        <p:nvSpPr>
+          <p:cNvPr id="4" name="Footer Placeholder 3">
+            <a:extLst>
+              <a:ext uri="{FF2B5EF4-FFF2-40B4-BE49-F238E27FC236}">
+                <a16:creationId xmlns:a16="http://schemas.microsoft.com/office/drawing/2014/main" id="{DDB3506C-0E15-1083-AF88-75F74A05D618}"/>
+              </a:ext>
+            </a:extLst>
+          </p:cNvPr>
+          <p:cNvSpPr>
+            <a:spLocks noGrp="1"/>
+          </p:cNvSpPr>
+          <p:nvPr>
+            <p:ph type="ftr" sz="quarter" idx="11"/>
+          </p:nvPr>
+        </p:nvSpPr>
+        <p:spPr/>
+        <p:txBody>
+          <a:bodyPr/>
+          <a:lstStyle/>
+          <a:p>
+            <a:r>
+              <a:rPr lang="en-US"/>
+              <a:t>Stefan Cristi Zugravel, elettronica base, TPS lezione 3</a:t>
+            </a:r>
+          </a:p>
+        </p:txBody>
+      </p:sp>
+      <p:sp>
+        <p:nvSpPr>
+          <p:cNvPr id="5" name="Slide Number Placeholder 4">
+            <a:extLst>
+              <a:ext uri="{FF2B5EF4-FFF2-40B4-BE49-F238E27FC236}">
+                <a16:creationId xmlns:a16="http://schemas.microsoft.com/office/drawing/2014/main" id="{28901CB3-F7A2-E294-D762-792BDC1DD9D0}"/>
+              </a:ext>
+            </a:extLst>
+          </p:cNvPr>
+          <p:cNvSpPr>
+            <a:spLocks noGrp="1"/>
+          </p:cNvSpPr>
+          <p:nvPr>
+            <p:ph type="sldNum" sz="quarter" idx="12"/>
+          </p:nvPr>
+        </p:nvSpPr>
+        <p:spPr/>
+        <p:txBody>
+          <a:bodyPr/>
+          <a:lstStyle/>
+          <a:p>
+            <a:fld id="{B7C12E76-5DE4-834B-BE10-AD31AA7B20EC}" type="slidenum">
+              <a:rPr lang="en-US" smtClean="0"/>
+              <a:t>37</a:t>
             </a:fld>
             <a:endParaRPr lang="en-US"/>
           </a:p>
@@ -12698,8 +13178,8 @@
           </a:prstGeom>
         </p:spPr>
       </p:pic>
-      <mc:AlternateContent xmlns:mc="http://schemas.openxmlformats.org/markup-compatibility/2006">
-        <mc:Choice xmlns:a14="http://schemas.microsoft.com/office/drawing/2010/main" Requires="a14">
+      <mc:AlternateContent xmlns:mc="http://schemas.openxmlformats.org/markup-compatibility/2006" xmlns:a14="http://schemas.microsoft.com/office/drawing/2010/main">
+        <mc:Choice Requires="a14">
           <p:sp>
             <p:nvSpPr>
               <p:cNvPr id="10" name="TextBox 9">
@@ -12728,6 +13208,7 @@
               </a:bodyPr>
               <a:lstStyle/>
               <a:p>
+                <a:pPr/>
                 <a14:m>
                   <m:oMathPara xmlns:m="http://schemas.openxmlformats.org/officeDocument/2006/math">
                     <m:oMathParaPr>
@@ -12772,7 +13253,7 @@
             </p:txBody>
           </p:sp>
         </mc:Choice>
-        <mc:Fallback>
+        <mc:Fallback xmlns="">
           <p:sp>
             <p:nvSpPr>
               <p:cNvPr id="10" name="TextBox 9">
@@ -12830,7 +13311,7 @@
 </p:sld>
 </file>
 
-<file path=ppt/slides/slide36.xml><?xml version="1.0" encoding="utf-8"?>
+<file path=ppt/slides/slide38.xml><?xml version="1.0" encoding="utf-8"?>
 <p:sld xmlns:a="http://schemas.openxmlformats.org/drawingml/2006/main" xmlns:r="http://schemas.openxmlformats.org/officeDocument/2006/relationships" xmlns:p="http://schemas.openxmlformats.org/presentationml/2006/main">
   <p:cSld>
     <p:spTree>
@@ -12957,7 +13438,7 @@
           <a:p>
             <a:fld id="{B7C12E76-5DE4-834B-BE10-AD31AA7B20EC}" type="slidenum">
               <a:rPr lang="en-US" smtClean="0"/>
-              <a:t>36</a:t>
+              <a:t>38</a:t>
             </a:fld>
             <a:endParaRPr lang="en-US"/>
           </a:p>
@@ -12993,8 +13474,8 @@
           </a:prstGeom>
         </p:spPr>
       </p:pic>
-      <mc:AlternateContent xmlns:mc="http://schemas.openxmlformats.org/markup-compatibility/2006">
-        <mc:Choice xmlns:a14="http://schemas.microsoft.com/office/drawing/2010/main" Requires="a14">
+      <mc:AlternateContent xmlns:mc="http://schemas.openxmlformats.org/markup-compatibility/2006" xmlns:a14="http://schemas.microsoft.com/office/drawing/2010/main">
+        <mc:Choice Requires="a14">
           <p:sp>
             <p:nvSpPr>
               <p:cNvPr id="7" name="TextBox 6">
@@ -13023,6 +13504,7 @@
               </a:bodyPr>
               <a:lstStyle/>
               <a:p>
+                <a:pPr/>
                 <a14:m>
                   <m:oMathPara xmlns:m="http://schemas.openxmlformats.org/officeDocument/2006/math">
                     <m:oMathParaPr>
@@ -13069,7 +13551,7 @@
             </p:txBody>
           </p:sp>
         </mc:Choice>
-        <mc:Fallback>
+        <mc:Fallback xmlns="">
           <p:sp>
             <p:nvSpPr>
               <p:cNvPr id="7" name="TextBox 6">
@@ -13202,7 +13684,7 @@
 </p:sld>
 </file>
 
-<file path=ppt/slides/slide37.xml><?xml version="1.0" encoding="utf-8"?>
+<file path=ppt/slides/slide39.xml><?xml version="1.0" encoding="utf-8"?>
 <p:sld xmlns:a="http://schemas.openxmlformats.org/drawingml/2006/main" xmlns:r="http://schemas.openxmlformats.org/officeDocument/2006/relationships" xmlns:p="http://schemas.openxmlformats.org/presentationml/2006/main">
   <p:cSld>
     <p:spTree>
@@ -13329,7 +13811,7 @@
           <a:p>
             <a:fld id="{B7C12E76-5DE4-834B-BE10-AD31AA7B20EC}" type="slidenum">
               <a:rPr lang="en-US" smtClean="0"/>
-              <a:t>37</a:t>
+              <a:t>39</a:t>
             </a:fld>
             <a:endParaRPr lang="en-US"/>
           </a:p>
@@ -13365,8 +13847,8 @@
           </a:prstGeom>
         </p:spPr>
       </p:pic>
-      <mc:AlternateContent xmlns:mc="http://schemas.openxmlformats.org/markup-compatibility/2006">
-        <mc:Choice xmlns:a14="http://schemas.microsoft.com/office/drawing/2010/main" Requires="a14">
+      <mc:AlternateContent xmlns:mc="http://schemas.openxmlformats.org/markup-compatibility/2006" xmlns:a14="http://schemas.microsoft.com/office/drawing/2010/main">
+        <mc:Choice Requires="a14">
           <p:sp>
             <p:nvSpPr>
               <p:cNvPr id="8" name="TextBox 7">
@@ -13395,6 +13877,7 @@
               </a:bodyPr>
               <a:lstStyle/>
               <a:p>
+                <a:pPr/>
                 <a14:m>
                   <m:oMathPara xmlns:m="http://schemas.openxmlformats.org/officeDocument/2006/math">
                     <m:oMathParaPr>
@@ -13439,7 +13922,7 @@
             </p:txBody>
           </p:sp>
         </mc:Choice>
-        <mc:Fallback>
+        <mc:Fallback xmlns="">
           <p:sp>
             <p:nvSpPr>
               <p:cNvPr id="8" name="TextBox 7">
@@ -13572,7 +14055,7 @@
 </p:sld>
 </file>
 
-<file path=ppt/slides/slide38.xml><?xml version="1.0" encoding="utf-8"?>
+<file path=ppt/slides/slide4.xml><?xml version="1.0" encoding="utf-8"?>
 <p:sld xmlns:a="http://schemas.openxmlformats.org/drawingml/2006/main" xmlns:r="http://schemas.openxmlformats.org/officeDocument/2006/relationships" xmlns:p="http://schemas.openxmlformats.org/presentationml/2006/main">
   <p:cSld>
     <p:spTree>
@@ -13594,7 +14077,7 @@
           <p:cNvPr id="2" name="Title 1">
             <a:extLst>
               <a:ext uri="{FF2B5EF4-FFF2-40B4-BE49-F238E27FC236}">
-                <a16:creationId xmlns:a16="http://schemas.microsoft.com/office/drawing/2014/main" id="{67BD305F-9D66-292A-0032-FB0CBF6B2306}"/>
+                <a16:creationId xmlns:a16="http://schemas.microsoft.com/office/drawing/2014/main" id="{2AA1E47E-C9F1-4473-EF3A-12ACF17608D7}"/>
               </a:ext>
             </a:extLst>
           </p:cNvPr>
@@ -13614,7 +14097,7 @@
           <a:p>
             <a:r>
               <a:rPr lang="en-US" i="1" dirty="0"/>
-              <a:t>NAND gate</a:t>
+              <a:t>Hardware Description Languages (HDL)</a:t>
             </a:r>
             <a:endParaRPr lang="en-US" dirty="0"/>
           </a:p>
@@ -13625,7 +14108,7 @@
           <p:cNvPr id="3" name="Date Placeholder 2">
             <a:extLst>
               <a:ext uri="{FF2B5EF4-FFF2-40B4-BE49-F238E27FC236}">
-                <a16:creationId xmlns:a16="http://schemas.microsoft.com/office/drawing/2014/main" id="{8F6F0AAD-FC4D-A51D-6C20-E43EDF29BDDA}"/>
+                <a16:creationId xmlns:a16="http://schemas.microsoft.com/office/drawing/2014/main" id="{EB86BCD4-44AE-0281-1B1D-72B9CD78192C}"/>
               </a:ext>
             </a:extLst>
           </p:cNvPr>
@@ -13653,7 +14136,7 @@
           <p:cNvPr id="4" name="Footer Placeholder 3">
             <a:extLst>
               <a:ext uri="{FF2B5EF4-FFF2-40B4-BE49-F238E27FC236}">
-                <a16:creationId xmlns:a16="http://schemas.microsoft.com/office/drawing/2014/main" id="{B5CEFAD5-2E82-A071-F32C-149BB07DC721}"/>
+                <a16:creationId xmlns:a16="http://schemas.microsoft.com/office/drawing/2014/main" id="{3A3D8BD6-9020-3566-C328-14E09DCF8324}"/>
               </a:ext>
             </a:extLst>
           </p:cNvPr>
@@ -13681,7 +14164,7 @@
           <p:cNvPr id="5" name="Slide Number Placeholder 4">
             <a:extLst>
               <a:ext uri="{FF2B5EF4-FFF2-40B4-BE49-F238E27FC236}">
-                <a16:creationId xmlns:a16="http://schemas.microsoft.com/office/drawing/2014/main" id="{267B38DC-DA9E-C01C-3BD0-742D89764321}"/>
+                <a16:creationId xmlns:a16="http://schemas.microsoft.com/office/drawing/2014/main" id="{1B8AD1A5-F549-1C27-91F8-0EDD5C616AA2}"/>
               </a:ext>
             </a:extLst>
           </p:cNvPr>
@@ -13699,7 +14182,183 @@
           <a:p>
             <a:fld id="{B7C12E76-5DE4-834B-BE10-AD31AA7B20EC}" type="slidenum">
               <a:rPr lang="en-US" smtClean="0"/>
-              <a:t>38</a:t>
+              <a:t>4</a:t>
+            </a:fld>
+            <a:endParaRPr lang="en-US"/>
+          </a:p>
+        </p:txBody>
+      </p:sp>
+      <p:pic>
+        <p:nvPicPr>
+          <p:cNvPr id="6" name="Picture 5">
+            <a:extLst>
+              <a:ext uri="{FF2B5EF4-FFF2-40B4-BE49-F238E27FC236}">
+                <a16:creationId xmlns:a16="http://schemas.microsoft.com/office/drawing/2014/main" id="{20A2FD52-3352-1A22-FA56-A20CE17ACE1E}"/>
+              </a:ext>
+            </a:extLst>
+          </p:cNvPr>
+          <p:cNvPicPr>
+            <a:picLocks noChangeAspect="1"/>
+          </p:cNvPicPr>
+          <p:nvPr/>
+        </p:nvPicPr>
+        <p:blipFill>
+          <a:blip r:embed="rId2"/>
+          <a:stretch>
+            <a:fillRect/>
+          </a:stretch>
+        </p:blipFill>
+        <p:spPr>
+          <a:xfrm>
+            <a:off x="1967204" y="1649836"/>
+            <a:ext cx="7772400" cy="4242011"/>
+          </a:xfrm>
+          <a:prstGeom prst="rect">
+            <a:avLst/>
+          </a:prstGeom>
+        </p:spPr>
+      </p:pic>
+    </p:spTree>
+    <p:extLst>
+      <p:ext uri="{BB962C8B-B14F-4D97-AF65-F5344CB8AC3E}">
+        <p14:creationId xmlns:p14="http://schemas.microsoft.com/office/powerpoint/2010/main" val="2124086413"/>
+      </p:ext>
+    </p:extLst>
+  </p:cSld>
+  <p:clrMapOvr>
+    <a:masterClrMapping/>
+  </p:clrMapOvr>
+</p:sld>
+</file>
+
+<file path=ppt/slides/slide40.xml><?xml version="1.0" encoding="utf-8"?>
+<p:sld xmlns:a="http://schemas.openxmlformats.org/drawingml/2006/main" xmlns:r="http://schemas.openxmlformats.org/officeDocument/2006/relationships" xmlns:p="http://schemas.openxmlformats.org/presentationml/2006/main">
+  <p:cSld>
+    <p:spTree>
+      <p:nvGrpSpPr>
+        <p:cNvPr id="1" name=""/>
+        <p:cNvGrpSpPr/>
+        <p:nvPr/>
+      </p:nvGrpSpPr>
+      <p:grpSpPr>
+        <a:xfrm>
+          <a:off x="0" y="0"/>
+          <a:ext cx="0" cy="0"/>
+          <a:chOff x="0" y="0"/>
+          <a:chExt cx="0" cy="0"/>
+        </a:xfrm>
+      </p:grpSpPr>
+      <p:sp>
+        <p:nvSpPr>
+          <p:cNvPr id="2" name="Title 1">
+            <a:extLst>
+              <a:ext uri="{FF2B5EF4-FFF2-40B4-BE49-F238E27FC236}">
+                <a16:creationId xmlns:a16="http://schemas.microsoft.com/office/drawing/2014/main" id="{67BD305F-9D66-292A-0032-FB0CBF6B2306}"/>
+              </a:ext>
+            </a:extLst>
+          </p:cNvPr>
+          <p:cNvSpPr>
+            <a:spLocks noGrp="1"/>
+          </p:cNvSpPr>
+          <p:nvPr>
+            <p:ph type="title"/>
+          </p:nvPr>
+        </p:nvSpPr>
+        <p:spPr/>
+        <p:txBody>
+          <a:bodyPr>
+            <a:normAutofit/>
+          </a:bodyPr>
+          <a:lstStyle/>
+          <a:p>
+            <a:r>
+              <a:rPr lang="en-US" i="1" dirty="0"/>
+              <a:t>NAND gate</a:t>
+            </a:r>
+            <a:endParaRPr lang="en-US" dirty="0"/>
+          </a:p>
+        </p:txBody>
+      </p:sp>
+      <p:sp>
+        <p:nvSpPr>
+          <p:cNvPr id="3" name="Date Placeholder 2">
+            <a:extLst>
+              <a:ext uri="{FF2B5EF4-FFF2-40B4-BE49-F238E27FC236}">
+                <a16:creationId xmlns:a16="http://schemas.microsoft.com/office/drawing/2014/main" id="{8F6F0AAD-FC4D-A51D-6C20-E43EDF29BDDA}"/>
+              </a:ext>
+            </a:extLst>
+          </p:cNvPr>
+          <p:cNvSpPr>
+            <a:spLocks noGrp="1"/>
+          </p:cNvSpPr>
+          <p:nvPr>
+            <p:ph type="dt" sz="half" idx="10"/>
+          </p:nvPr>
+        </p:nvSpPr>
+        <p:spPr/>
+        <p:txBody>
+          <a:bodyPr/>
+          <a:lstStyle/>
+          <a:p>
+            <a:r>
+              <a:rPr lang="en-US"/>
+              <a:t>19/01/2026</a:t>
+            </a:r>
+          </a:p>
+        </p:txBody>
+      </p:sp>
+      <p:sp>
+        <p:nvSpPr>
+          <p:cNvPr id="4" name="Footer Placeholder 3">
+            <a:extLst>
+              <a:ext uri="{FF2B5EF4-FFF2-40B4-BE49-F238E27FC236}">
+                <a16:creationId xmlns:a16="http://schemas.microsoft.com/office/drawing/2014/main" id="{B5CEFAD5-2E82-A071-F32C-149BB07DC721}"/>
+              </a:ext>
+            </a:extLst>
+          </p:cNvPr>
+          <p:cNvSpPr>
+            <a:spLocks noGrp="1"/>
+          </p:cNvSpPr>
+          <p:nvPr>
+            <p:ph type="ftr" sz="quarter" idx="11"/>
+          </p:nvPr>
+        </p:nvSpPr>
+        <p:spPr/>
+        <p:txBody>
+          <a:bodyPr/>
+          <a:lstStyle/>
+          <a:p>
+            <a:r>
+              <a:rPr lang="en-US"/>
+              <a:t>Stefan Cristi Zugravel, elettronica base, TPS lezione 3</a:t>
+            </a:r>
+          </a:p>
+        </p:txBody>
+      </p:sp>
+      <p:sp>
+        <p:nvSpPr>
+          <p:cNvPr id="5" name="Slide Number Placeholder 4">
+            <a:extLst>
+              <a:ext uri="{FF2B5EF4-FFF2-40B4-BE49-F238E27FC236}">
+                <a16:creationId xmlns:a16="http://schemas.microsoft.com/office/drawing/2014/main" id="{267B38DC-DA9E-C01C-3BD0-742D89764321}"/>
+              </a:ext>
+            </a:extLst>
+          </p:cNvPr>
+          <p:cNvSpPr>
+            <a:spLocks noGrp="1"/>
+          </p:cNvSpPr>
+          <p:nvPr>
+            <p:ph type="sldNum" sz="quarter" idx="12"/>
+          </p:nvPr>
+        </p:nvSpPr>
+        <p:spPr/>
+        <p:txBody>
+          <a:bodyPr/>
+          <a:lstStyle/>
+          <a:p>
+            <a:fld id="{B7C12E76-5DE4-834B-BE10-AD31AA7B20EC}" type="slidenum">
+              <a:rPr lang="en-US" smtClean="0"/>
+              <a:t>40</a:t>
             </a:fld>
             <a:endParaRPr lang="en-US"/>
           </a:p>
@@ -13735,8 +14394,8 @@
           </a:prstGeom>
         </p:spPr>
       </p:pic>
-      <mc:AlternateContent xmlns:mc="http://schemas.openxmlformats.org/markup-compatibility/2006">
-        <mc:Choice xmlns:a14="http://schemas.microsoft.com/office/drawing/2010/main" Requires="a14">
+      <mc:AlternateContent xmlns:mc="http://schemas.openxmlformats.org/markup-compatibility/2006" xmlns:a14="http://schemas.microsoft.com/office/drawing/2010/main">
+        <mc:Choice Requires="a14">
           <p:sp>
             <p:nvSpPr>
               <p:cNvPr id="7" name="TextBox 6">
@@ -13765,6 +14424,7 @@
               </a:bodyPr>
               <a:lstStyle/>
               <a:p>
+                <a:pPr/>
                 <a14:m>
                   <m:oMathPara xmlns:m="http://schemas.openxmlformats.org/officeDocument/2006/math">
                     <m:oMathParaPr>
@@ -13823,7 +14483,7 @@
             </p:txBody>
           </p:sp>
         </mc:Choice>
-        <mc:Fallback>
+        <mc:Fallback xmlns="">
           <p:sp>
             <p:nvSpPr>
               <p:cNvPr id="7" name="TextBox 6">
@@ -13956,7 +14616,7 @@
 </p:sld>
 </file>
 
-<file path=ppt/slides/slide39.xml><?xml version="1.0" encoding="utf-8"?>
+<file path=ppt/slides/slide41.xml><?xml version="1.0" encoding="utf-8"?>
 <p:sld xmlns:a="http://schemas.openxmlformats.org/drawingml/2006/main" xmlns:r="http://schemas.openxmlformats.org/officeDocument/2006/relationships" xmlns:p="http://schemas.openxmlformats.org/presentationml/2006/main">
   <p:cSld>
     <p:spTree>
@@ -14083,7 +14743,7 @@
           <a:p>
             <a:fld id="{B7C12E76-5DE4-834B-BE10-AD31AA7B20EC}" type="slidenum">
               <a:rPr lang="en-US" smtClean="0"/>
-              <a:t>39</a:t>
+              <a:t>41</a:t>
             </a:fld>
             <a:endParaRPr lang="en-US"/>
           </a:p>
@@ -14119,8 +14779,8 @@
           </a:prstGeom>
         </p:spPr>
       </p:pic>
-      <mc:AlternateContent xmlns:mc="http://schemas.openxmlformats.org/markup-compatibility/2006">
-        <mc:Choice xmlns:a14="http://schemas.microsoft.com/office/drawing/2010/main" Requires="a14">
+      <mc:AlternateContent xmlns:mc="http://schemas.openxmlformats.org/markup-compatibility/2006" xmlns:a14="http://schemas.microsoft.com/office/drawing/2010/main">
+        <mc:Choice Requires="a14">
           <p:sp>
             <p:nvSpPr>
               <p:cNvPr id="8" name="TextBox 7">
@@ -14149,6 +14809,7 @@
               </a:bodyPr>
               <a:lstStyle/>
               <a:p>
+                <a:pPr/>
                 <a14:m>
                   <m:oMathPara xmlns:m="http://schemas.openxmlformats.org/officeDocument/2006/math">
                     <m:oMathParaPr>
@@ -14205,7 +14866,7 @@
             </p:txBody>
           </p:sp>
         </mc:Choice>
-        <mc:Fallback>
+        <mc:Fallback xmlns="">
           <p:sp>
             <p:nvSpPr>
               <p:cNvPr id="8" name="TextBox 7">
@@ -14338,7 +14999,7 @@
 </p:sld>
 </file>
 
-<file path=ppt/slides/slide4.xml><?xml version="1.0" encoding="utf-8"?>
+<file path=ppt/slides/slide42.xml><?xml version="1.0" encoding="utf-8"?>
 <p:sld xmlns:a="http://schemas.openxmlformats.org/drawingml/2006/main" xmlns:r="http://schemas.openxmlformats.org/officeDocument/2006/relationships" xmlns:p="http://schemas.openxmlformats.org/presentationml/2006/main">
   <p:cSld>
     <p:spTree>
@@ -14360,7 +15021,7 @@
           <p:cNvPr id="2" name="Title 1">
             <a:extLst>
               <a:ext uri="{FF2B5EF4-FFF2-40B4-BE49-F238E27FC236}">
-                <a16:creationId xmlns:a16="http://schemas.microsoft.com/office/drawing/2014/main" id="{2AA1E47E-C9F1-4473-EF3A-12ACF17608D7}"/>
+                <a16:creationId xmlns:a16="http://schemas.microsoft.com/office/drawing/2014/main" id="{6DEEC284-E8E5-B2D7-82B5-90923E3B693F}"/>
               </a:ext>
             </a:extLst>
           </p:cNvPr>
@@ -14380,7 +15041,7 @@
           <a:p>
             <a:r>
               <a:rPr lang="en-US" i="1" dirty="0"/>
-              <a:t>Hardware Description Languages (HDL)</a:t>
+              <a:t>De Morgan's theorem</a:t>
             </a:r>
             <a:endParaRPr lang="en-US" dirty="0"/>
           </a:p>
@@ -14391,7 +15052,7 @@
           <p:cNvPr id="3" name="Date Placeholder 2">
             <a:extLst>
               <a:ext uri="{FF2B5EF4-FFF2-40B4-BE49-F238E27FC236}">
-                <a16:creationId xmlns:a16="http://schemas.microsoft.com/office/drawing/2014/main" id="{EB86BCD4-44AE-0281-1B1D-72B9CD78192C}"/>
+                <a16:creationId xmlns:a16="http://schemas.microsoft.com/office/drawing/2014/main" id="{49F1F245-CBAE-66D6-E273-1CDF8108B48B}"/>
               </a:ext>
             </a:extLst>
           </p:cNvPr>
@@ -14419,7 +15080,7 @@
           <p:cNvPr id="4" name="Footer Placeholder 3">
             <a:extLst>
               <a:ext uri="{FF2B5EF4-FFF2-40B4-BE49-F238E27FC236}">
-                <a16:creationId xmlns:a16="http://schemas.microsoft.com/office/drawing/2014/main" id="{3A3D8BD6-9020-3566-C328-14E09DCF8324}"/>
+                <a16:creationId xmlns:a16="http://schemas.microsoft.com/office/drawing/2014/main" id="{1047AF27-CC50-61D7-12FE-3987F9060F23}"/>
               </a:ext>
             </a:extLst>
           </p:cNvPr>
@@ -14447,7 +15108,7 @@
           <p:cNvPr id="5" name="Slide Number Placeholder 4">
             <a:extLst>
               <a:ext uri="{FF2B5EF4-FFF2-40B4-BE49-F238E27FC236}">
-                <a16:creationId xmlns:a16="http://schemas.microsoft.com/office/drawing/2014/main" id="{1B8AD1A5-F549-1C27-91F8-0EDD5C616AA2}"/>
+                <a16:creationId xmlns:a16="http://schemas.microsoft.com/office/drawing/2014/main" id="{7253152E-375E-A712-A123-69F09C49F8CE}"/>
               </a:ext>
             </a:extLst>
           </p:cNvPr>
@@ -14465,183 +15126,7 @@
           <a:p>
             <a:fld id="{B7C12E76-5DE4-834B-BE10-AD31AA7B20EC}" type="slidenum">
               <a:rPr lang="en-US" smtClean="0"/>
-              <a:t>4</a:t>
-            </a:fld>
-            <a:endParaRPr lang="en-US"/>
-          </a:p>
-        </p:txBody>
-      </p:sp>
-      <p:pic>
-        <p:nvPicPr>
-          <p:cNvPr id="6" name="Picture 5">
-            <a:extLst>
-              <a:ext uri="{FF2B5EF4-FFF2-40B4-BE49-F238E27FC236}">
-                <a16:creationId xmlns:a16="http://schemas.microsoft.com/office/drawing/2014/main" id="{20A2FD52-3352-1A22-FA56-A20CE17ACE1E}"/>
-              </a:ext>
-            </a:extLst>
-          </p:cNvPr>
-          <p:cNvPicPr>
-            <a:picLocks noChangeAspect="1"/>
-          </p:cNvPicPr>
-          <p:nvPr/>
-        </p:nvPicPr>
-        <p:blipFill>
-          <a:blip r:embed="rId2"/>
-          <a:stretch>
-            <a:fillRect/>
-          </a:stretch>
-        </p:blipFill>
-        <p:spPr>
-          <a:xfrm>
-            <a:off x="1967204" y="1649836"/>
-            <a:ext cx="7772400" cy="4242011"/>
-          </a:xfrm>
-          <a:prstGeom prst="rect">
-            <a:avLst/>
-          </a:prstGeom>
-        </p:spPr>
-      </p:pic>
-    </p:spTree>
-    <p:extLst>
-      <p:ext uri="{BB962C8B-B14F-4D97-AF65-F5344CB8AC3E}">
-        <p14:creationId xmlns:p14="http://schemas.microsoft.com/office/powerpoint/2010/main" val="2124086413"/>
-      </p:ext>
-    </p:extLst>
-  </p:cSld>
-  <p:clrMapOvr>
-    <a:masterClrMapping/>
-  </p:clrMapOvr>
-</p:sld>
-</file>
-
-<file path=ppt/slides/slide40.xml><?xml version="1.0" encoding="utf-8"?>
-<p:sld xmlns:a="http://schemas.openxmlformats.org/drawingml/2006/main" xmlns:r="http://schemas.openxmlformats.org/officeDocument/2006/relationships" xmlns:p="http://schemas.openxmlformats.org/presentationml/2006/main">
-  <p:cSld>
-    <p:spTree>
-      <p:nvGrpSpPr>
-        <p:cNvPr id="1" name=""/>
-        <p:cNvGrpSpPr/>
-        <p:nvPr/>
-      </p:nvGrpSpPr>
-      <p:grpSpPr>
-        <a:xfrm>
-          <a:off x="0" y="0"/>
-          <a:ext cx="0" cy="0"/>
-          <a:chOff x="0" y="0"/>
-          <a:chExt cx="0" cy="0"/>
-        </a:xfrm>
-      </p:grpSpPr>
-      <p:sp>
-        <p:nvSpPr>
-          <p:cNvPr id="2" name="Title 1">
-            <a:extLst>
-              <a:ext uri="{FF2B5EF4-FFF2-40B4-BE49-F238E27FC236}">
-                <a16:creationId xmlns:a16="http://schemas.microsoft.com/office/drawing/2014/main" id="{6DEEC284-E8E5-B2D7-82B5-90923E3B693F}"/>
-              </a:ext>
-            </a:extLst>
-          </p:cNvPr>
-          <p:cNvSpPr>
-            <a:spLocks noGrp="1"/>
-          </p:cNvSpPr>
-          <p:nvPr>
-            <p:ph type="title"/>
-          </p:nvPr>
-        </p:nvSpPr>
-        <p:spPr/>
-        <p:txBody>
-          <a:bodyPr>
-            <a:normAutofit/>
-          </a:bodyPr>
-          <a:lstStyle/>
-          <a:p>
-            <a:r>
-              <a:rPr lang="en-US" i="1" dirty="0"/>
-              <a:t>De Morgan's theorem</a:t>
-            </a:r>
-            <a:endParaRPr lang="en-US" dirty="0"/>
-          </a:p>
-        </p:txBody>
-      </p:sp>
-      <p:sp>
-        <p:nvSpPr>
-          <p:cNvPr id="3" name="Date Placeholder 2">
-            <a:extLst>
-              <a:ext uri="{FF2B5EF4-FFF2-40B4-BE49-F238E27FC236}">
-                <a16:creationId xmlns:a16="http://schemas.microsoft.com/office/drawing/2014/main" id="{49F1F245-CBAE-66D6-E273-1CDF8108B48B}"/>
-              </a:ext>
-            </a:extLst>
-          </p:cNvPr>
-          <p:cNvSpPr>
-            <a:spLocks noGrp="1"/>
-          </p:cNvSpPr>
-          <p:nvPr>
-            <p:ph type="dt" sz="half" idx="10"/>
-          </p:nvPr>
-        </p:nvSpPr>
-        <p:spPr/>
-        <p:txBody>
-          <a:bodyPr/>
-          <a:lstStyle/>
-          <a:p>
-            <a:r>
-              <a:rPr lang="en-US"/>
-              <a:t>19/01/2026</a:t>
-            </a:r>
-          </a:p>
-        </p:txBody>
-      </p:sp>
-      <p:sp>
-        <p:nvSpPr>
-          <p:cNvPr id="4" name="Footer Placeholder 3">
-            <a:extLst>
-              <a:ext uri="{FF2B5EF4-FFF2-40B4-BE49-F238E27FC236}">
-                <a16:creationId xmlns:a16="http://schemas.microsoft.com/office/drawing/2014/main" id="{1047AF27-CC50-61D7-12FE-3987F9060F23}"/>
-              </a:ext>
-            </a:extLst>
-          </p:cNvPr>
-          <p:cNvSpPr>
-            <a:spLocks noGrp="1"/>
-          </p:cNvSpPr>
-          <p:nvPr>
-            <p:ph type="ftr" sz="quarter" idx="11"/>
-          </p:nvPr>
-        </p:nvSpPr>
-        <p:spPr/>
-        <p:txBody>
-          <a:bodyPr/>
-          <a:lstStyle/>
-          <a:p>
-            <a:r>
-              <a:rPr lang="en-US"/>
-              <a:t>Stefan Cristi Zugravel, elettronica base, TPS lezione 3</a:t>
-            </a:r>
-          </a:p>
-        </p:txBody>
-      </p:sp>
-      <p:sp>
-        <p:nvSpPr>
-          <p:cNvPr id="5" name="Slide Number Placeholder 4">
-            <a:extLst>
-              <a:ext uri="{FF2B5EF4-FFF2-40B4-BE49-F238E27FC236}">
-                <a16:creationId xmlns:a16="http://schemas.microsoft.com/office/drawing/2014/main" id="{7253152E-375E-A712-A123-69F09C49F8CE}"/>
-              </a:ext>
-            </a:extLst>
-          </p:cNvPr>
-          <p:cNvSpPr>
-            <a:spLocks noGrp="1"/>
-          </p:cNvSpPr>
-          <p:nvPr>
-            <p:ph type="sldNum" sz="quarter" idx="12"/>
-          </p:nvPr>
-        </p:nvSpPr>
-        <p:spPr/>
-        <p:txBody>
-          <a:bodyPr/>
-          <a:lstStyle/>
-          <a:p>
-            <a:fld id="{B7C12E76-5DE4-834B-BE10-AD31AA7B20EC}" type="slidenum">
-              <a:rPr lang="en-US" smtClean="0"/>
-              <a:t>40</a:t>
+              <a:t>42</a:t>
             </a:fld>
             <a:endParaRPr lang="en-US"/>
           </a:p>
@@ -14780,7 +15265,7 @@
 </p:sld>
 </file>
 
-<file path=ppt/slides/slide41.xml><?xml version="1.0" encoding="utf-8"?>
+<file path=ppt/slides/slide43.xml><?xml version="1.0" encoding="utf-8"?>
 <p:sld xmlns:a="http://schemas.openxmlformats.org/drawingml/2006/main" xmlns:r="http://schemas.openxmlformats.org/officeDocument/2006/relationships" xmlns:p="http://schemas.openxmlformats.org/presentationml/2006/main">
   <p:cSld>
     <p:spTree>
@@ -14907,7 +15392,7 @@
           <a:p>
             <a:fld id="{B7C12E76-5DE4-834B-BE10-AD31AA7B20EC}" type="slidenum">
               <a:rPr lang="en-US" smtClean="0"/>
-              <a:t>41</a:t>
+              <a:t>43</a:t>
             </a:fld>
             <a:endParaRPr lang="en-US"/>
           </a:p>
@@ -15061,7 +15546,7 @@
 </p:sld>
 </file>
 
-<file path=ppt/slides/slide42.xml><?xml version="1.0" encoding="utf-8"?>
+<file path=ppt/slides/slide44.xml><?xml version="1.0" encoding="utf-8"?>
 <p:sld xmlns:a="http://schemas.openxmlformats.org/drawingml/2006/main" xmlns:r="http://schemas.openxmlformats.org/officeDocument/2006/relationships" xmlns:p="http://schemas.openxmlformats.org/presentationml/2006/main">
   <p:cSld>
     <p:spTree>
@@ -15188,7 +15673,7 @@
           <a:p>
             <a:fld id="{B7C12E76-5DE4-834B-BE10-AD31AA7B20EC}" type="slidenum">
               <a:rPr lang="en-US" smtClean="0"/>
-              <a:t>42</a:t>
+              <a:t>44</a:t>
             </a:fld>
             <a:endParaRPr lang="en-US"/>
           </a:p>
@@ -15439,7 +15924,7 @@
 </p:sld>
 </file>
 
-<file path=ppt/slides/slide43.xml><?xml version="1.0" encoding="utf-8"?>
+<file path=ppt/slides/slide45.xml><?xml version="1.0" encoding="utf-8"?>
 <p:sld xmlns:a="http://schemas.openxmlformats.org/drawingml/2006/main" xmlns:r="http://schemas.openxmlformats.org/officeDocument/2006/relationships" xmlns:p="http://schemas.openxmlformats.org/presentationml/2006/main">
   <p:cSld>
     <p:spTree>
@@ -15566,7 +16051,7 @@
           <a:p>
             <a:fld id="{B7C12E76-5DE4-834B-BE10-AD31AA7B20EC}" type="slidenum">
               <a:rPr lang="en-US" smtClean="0"/>
-              <a:t>43</a:t>
+              <a:t>45</a:t>
             </a:fld>
             <a:endParaRPr lang="en-US"/>
           </a:p>
@@ -15705,7 +16190,7 @@
 </p:sld>
 </file>
 
-<file path=ppt/slides/slide44.xml><?xml version="1.0" encoding="utf-8"?>
+<file path=ppt/slides/slide46.xml><?xml version="1.0" encoding="utf-8"?>
 <p:sld xmlns:a="http://schemas.openxmlformats.org/drawingml/2006/main" xmlns:r="http://schemas.openxmlformats.org/officeDocument/2006/relationships" xmlns:p="http://schemas.openxmlformats.org/presentationml/2006/main">
   <p:cSld>
     <p:spTree>
@@ -15832,7 +16317,7 @@
           <a:p>
             <a:fld id="{B7C12E76-5DE4-834B-BE10-AD31AA7B20EC}" type="slidenum">
               <a:rPr lang="en-US" smtClean="0"/>
-              <a:t>44</a:t>
+              <a:t>46</a:t>
             </a:fld>
             <a:endParaRPr lang="en-US"/>
           </a:p>
@@ -15971,7 +16456,7 @@
 </p:sld>
 </file>
 
-<file path=ppt/slides/slide45.xml><?xml version="1.0" encoding="utf-8"?>
+<file path=ppt/slides/slide47.xml><?xml version="1.0" encoding="utf-8"?>
 <p:sld xmlns:a="http://schemas.openxmlformats.org/drawingml/2006/main" xmlns:r="http://schemas.openxmlformats.org/officeDocument/2006/relationships" xmlns:p="http://schemas.openxmlformats.org/presentationml/2006/main">
   <p:cSld>
     <p:spTree>
@@ -16098,7 +16583,7 @@
           <a:p>
             <a:fld id="{B7C12E76-5DE4-834B-BE10-AD31AA7B20EC}" type="slidenum">
               <a:rPr lang="en-US" smtClean="0"/>
-              <a:t>45</a:t>
+              <a:t>47</a:t>
             </a:fld>
             <a:endParaRPr lang="en-US"/>
           </a:p>
@@ -16147,292 +16632,6 @@
 </p:sld>
 </file>
 
-<file path=ppt/slides/slide46.xml><?xml version="1.0" encoding="utf-8"?>
-<p:sld xmlns:a="http://schemas.openxmlformats.org/drawingml/2006/main" xmlns:r="http://schemas.openxmlformats.org/officeDocument/2006/relationships" xmlns:p="http://schemas.openxmlformats.org/presentationml/2006/main">
-  <p:cSld>
-    <p:spTree>
-      <p:nvGrpSpPr>
-        <p:cNvPr id="1" name=""/>
-        <p:cNvGrpSpPr/>
-        <p:nvPr/>
-      </p:nvGrpSpPr>
-      <p:grpSpPr>
-        <a:xfrm>
-          <a:off x="0" y="0"/>
-          <a:ext cx="0" cy="0"/>
-          <a:chOff x="0" y="0"/>
-          <a:chExt cx="0" cy="0"/>
-        </a:xfrm>
-      </p:grpSpPr>
-      <p:sp>
-        <p:nvSpPr>
-          <p:cNvPr id="2" name="Title 1">
-            <a:extLst>
-              <a:ext uri="{FF2B5EF4-FFF2-40B4-BE49-F238E27FC236}">
-                <a16:creationId xmlns:a16="http://schemas.microsoft.com/office/drawing/2014/main" id="{FCD06314-62CF-58BD-8650-F38E1CF9752D}"/>
-              </a:ext>
-            </a:extLst>
-          </p:cNvPr>
-          <p:cNvSpPr>
-            <a:spLocks noGrp="1"/>
-          </p:cNvSpPr>
-          <p:nvPr>
-            <p:ph type="title"/>
-          </p:nvPr>
-        </p:nvSpPr>
-        <p:spPr/>
-        <p:txBody>
-          <a:bodyPr>
-            <a:normAutofit/>
-          </a:bodyPr>
-          <a:lstStyle/>
-          <a:p>
-            <a:r>
-              <a:rPr lang="en-US" i="1" dirty="0"/>
-              <a:t>Introduction to FPGAs and Xilinx devices</a:t>
-            </a:r>
-            <a:endParaRPr lang="en-US" dirty="0"/>
-          </a:p>
-        </p:txBody>
-      </p:sp>
-      <p:sp>
-        <p:nvSpPr>
-          <p:cNvPr id="3" name="Date Placeholder 2">
-            <a:extLst>
-              <a:ext uri="{FF2B5EF4-FFF2-40B4-BE49-F238E27FC236}">
-                <a16:creationId xmlns:a16="http://schemas.microsoft.com/office/drawing/2014/main" id="{DFE73996-4276-5AB4-855C-CBF677ABB8DC}"/>
-              </a:ext>
-            </a:extLst>
-          </p:cNvPr>
-          <p:cNvSpPr>
-            <a:spLocks noGrp="1"/>
-          </p:cNvSpPr>
-          <p:nvPr>
-            <p:ph type="dt" sz="half" idx="10"/>
-          </p:nvPr>
-        </p:nvSpPr>
-        <p:spPr/>
-        <p:txBody>
-          <a:bodyPr/>
-          <a:lstStyle/>
-          <a:p>
-            <a:r>
-              <a:rPr lang="en-US"/>
-              <a:t>19/01/2026</a:t>
-            </a:r>
-          </a:p>
-        </p:txBody>
-      </p:sp>
-      <p:sp>
-        <p:nvSpPr>
-          <p:cNvPr id="4" name="Footer Placeholder 3">
-            <a:extLst>
-              <a:ext uri="{FF2B5EF4-FFF2-40B4-BE49-F238E27FC236}">
-                <a16:creationId xmlns:a16="http://schemas.microsoft.com/office/drawing/2014/main" id="{DE9F5B86-11DA-9BBF-B0D9-7795286997B3}"/>
-              </a:ext>
-            </a:extLst>
-          </p:cNvPr>
-          <p:cNvSpPr>
-            <a:spLocks noGrp="1"/>
-          </p:cNvSpPr>
-          <p:nvPr>
-            <p:ph type="ftr" sz="quarter" idx="11"/>
-          </p:nvPr>
-        </p:nvSpPr>
-        <p:spPr/>
-        <p:txBody>
-          <a:bodyPr/>
-          <a:lstStyle/>
-          <a:p>
-            <a:r>
-              <a:rPr lang="en-US"/>
-              <a:t>Stefan Cristi Zugravel, elettronica base, TPS lezione 3</a:t>
-            </a:r>
-          </a:p>
-        </p:txBody>
-      </p:sp>
-      <p:sp>
-        <p:nvSpPr>
-          <p:cNvPr id="5" name="Slide Number Placeholder 4">
-            <a:extLst>
-              <a:ext uri="{FF2B5EF4-FFF2-40B4-BE49-F238E27FC236}">
-                <a16:creationId xmlns:a16="http://schemas.microsoft.com/office/drawing/2014/main" id="{225FAE26-C6EF-BED9-4F45-B9F30940B628}"/>
-              </a:ext>
-            </a:extLst>
-          </p:cNvPr>
-          <p:cNvSpPr>
-            <a:spLocks noGrp="1"/>
-          </p:cNvSpPr>
-          <p:nvPr>
-            <p:ph type="sldNum" sz="quarter" idx="12"/>
-          </p:nvPr>
-        </p:nvSpPr>
-        <p:spPr/>
-        <p:txBody>
-          <a:bodyPr/>
-          <a:lstStyle/>
-          <a:p>
-            <a:fld id="{B7C12E76-5DE4-834B-BE10-AD31AA7B20EC}" type="slidenum">
-              <a:rPr lang="en-US" smtClean="0"/>
-              <a:t>46</a:t>
-            </a:fld>
-            <a:endParaRPr lang="en-US"/>
-          </a:p>
-        </p:txBody>
-      </p:sp>
-    </p:spTree>
-    <p:extLst>
-      <p:ext uri="{BB962C8B-B14F-4D97-AF65-F5344CB8AC3E}">
-        <p14:creationId xmlns:p14="http://schemas.microsoft.com/office/powerpoint/2010/main" val="2147533148"/>
-      </p:ext>
-    </p:extLst>
-  </p:cSld>
-  <p:clrMapOvr>
-    <a:masterClrMapping/>
-  </p:clrMapOvr>
-</p:sld>
-</file>
-
-<file path=ppt/slides/slide47.xml><?xml version="1.0" encoding="utf-8"?>
-<p:sld xmlns:a="http://schemas.openxmlformats.org/drawingml/2006/main" xmlns:r="http://schemas.openxmlformats.org/officeDocument/2006/relationships" xmlns:p="http://schemas.openxmlformats.org/presentationml/2006/main">
-  <p:cSld>
-    <p:spTree>
-      <p:nvGrpSpPr>
-        <p:cNvPr id="1" name=""/>
-        <p:cNvGrpSpPr/>
-        <p:nvPr/>
-      </p:nvGrpSpPr>
-      <p:grpSpPr>
-        <a:xfrm>
-          <a:off x="0" y="0"/>
-          <a:ext cx="0" cy="0"/>
-          <a:chOff x="0" y="0"/>
-          <a:chExt cx="0" cy="0"/>
-        </a:xfrm>
-      </p:grpSpPr>
-      <p:sp>
-        <p:nvSpPr>
-          <p:cNvPr id="2" name="Title 1">
-            <a:extLst>
-              <a:ext uri="{FF2B5EF4-FFF2-40B4-BE49-F238E27FC236}">
-                <a16:creationId xmlns:a16="http://schemas.microsoft.com/office/drawing/2014/main" id="{E944CC8A-AF36-7EBF-B4C7-FDB9728B0616}"/>
-              </a:ext>
-            </a:extLst>
-          </p:cNvPr>
-          <p:cNvSpPr>
-            <a:spLocks noGrp="1"/>
-          </p:cNvSpPr>
-          <p:nvPr>
-            <p:ph type="title"/>
-          </p:nvPr>
-        </p:nvSpPr>
-        <p:spPr/>
-        <p:txBody>
-          <a:bodyPr/>
-          <a:lstStyle/>
-          <a:p>
-            <a:endParaRPr lang="en-US"/>
-          </a:p>
-        </p:txBody>
-      </p:sp>
-      <p:sp>
-        <p:nvSpPr>
-          <p:cNvPr id="3" name="Date Placeholder 2">
-            <a:extLst>
-              <a:ext uri="{FF2B5EF4-FFF2-40B4-BE49-F238E27FC236}">
-                <a16:creationId xmlns:a16="http://schemas.microsoft.com/office/drawing/2014/main" id="{447BFA13-ED06-3283-CB43-E35DC16CFA99}"/>
-              </a:ext>
-            </a:extLst>
-          </p:cNvPr>
-          <p:cNvSpPr>
-            <a:spLocks noGrp="1"/>
-          </p:cNvSpPr>
-          <p:nvPr>
-            <p:ph type="dt" sz="half" idx="10"/>
-          </p:nvPr>
-        </p:nvSpPr>
-        <p:spPr/>
-        <p:txBody>
-          <a:bodyPr/>
-          <a:lstStyle/>
-          <a:p>
-            <a:r>
-              <a:rPr lang="en-US"/>
-              <a:t>19/01/2026</a:t>
-            </a:r>
-          </a:p>
-        </p:txBody>
-      </p:sp>
-      <p:sp>
-        <p:nvSpPr>
-          <p:cNvPr id="4" name="Footer Placeholder 3">
-            <a:extLst>
-              <a:ext uri="{FF2B5EF4-FFF2-40B4-BE49-F238E27FC236}">
-                <a16:creationId xmlns:a16="http://schemas.microsoft.com/office/drawing/2014/main" id="{294FF103-3B68-E150-037A-9031C9D814F0}"/>
-              </a:ext>
-            </a:extLst>
-          </p:cNvPr>
-          <p:cNvSpPr>
-            <a:spLocks noGrp="1"/>
-          </p:cNvSpPr>
-          <p:nvPr>
-            <p:ph type="ftr" sz="quarter" idx="11"/>
-          </p:nvPr>
-        </p:nvSpPr>
-        <p:spPr/>
-        <p:txBody>
-          <a:bodyPr/>
-          <a:lstStyle/>
-          <a:p>
-            <a:r>
-              <a:rPr lang="en-US"/>
-              <a:t>Stefan Cristi Zugravel, elettronica base, TPS lezione 3</a:t>
-            </a:r>
-          </a:p>
-        </p:txBody>
-      </p:sp>
-      <p:sp>
-        <p:nvSpPr>
-          <p:cNvPr id="5" name="Slide Number Placeholder 4">
-            <a:extLst>
-              <a:ext uri="{FF2B5EF4-FFF2-40B4-BE49-F238E27FC236}">
-                <a16:creationId xmlns:a16="http://schemas.microsoft.com/office/drawing/2014/main" id="{1F9F09CD-4059-42F8-7DF0-17EEB27493F5}"/>
-              </a:ext>
-            </a:extLst>
-          </p:cNvPr>
-          <p:cNvSpPr>
-            <a:spLocks noGrp="1"/>
-          </p:cNvSpPr>
-          <p:nvPr>
-            <p:ph type="sldNum" sz="quarter" idx="12"/>
-          </p:nvPr>
-        </p:nvSpPr>
-        <p:spPr/>
-        <p:txBody>
-          <a:bodyPr/>
-          <a:lstStyle/>
-          <a:p>
-            <a:fld id="{B7C12E76-5DE4-834B-BE10-AD31AA7B20EC}" type="slidenum">
-              <a:rPr lang="en-US" smtClean="0"/>
-              <a:t>47</a:t>
-            </a:fld>
-            <a:endParaRPr lang="en-US"/>
-          </a:p>
-        </p:txBody>
-      </p:sp>
-    </p:spTree>
-    <p:extLst>
-      <p:ext uri="{BB962C8B-B14F-4D97-AF65-F5344CB8AC3E}">
-        <p14:creationId xmlns:p14="http://schemas.microsoft.com/office/powerpoint/2010/main" val="1258176101"/>
-      </p:ext>
-    </p:extLst>
-  </p:cSld>
-  <p:clrMapOvr>
-    <a:masterClrMapping/>
-  </p:clrMapOvr>
-</p:sld>
-</file>
-
 <file path=ppt/slides/slide48.xml><?xml version="1.0" encoding="utf-8"?>
 <p:sld xmlns:a="http://schemas.openxmlformats.org/drawingml/2006/main" xmlns:r="http://schemas.openxmlformats.org/officeDocument/2006/relationships" xmlns:p="http://schemas.openxmlformats.org/presentationml/2006/main">
   <p:cSld>
@@ -16452,10 +16651,10 @@
       </p:grpSpPr>
       <p:sp>
         <p:nvSpPr>
-          <p:cNvPr id="2" name="Title 1">
-            <a:extLst>
-              <a:ext uri="{FF2B5EF4-FFF2-40B4-BE49-F238E27FC236}">
-                <a16:creationId xmlns:a16="http://schemas.microsoft.com/office/drawing/2014/main" id="{4D7B068C-44D3-FA13-BCDE-BFA31D60F694}"/>
+          <p:cNvPr id="2" name="Titolo 1">
+            <a:extLst>
+              <a:ext uri="{FF2B5EF4-FFF2-40B4-BE49-F238E27FC236}">
+                <a16:creationId xmlns:a16="http://schemas.microsoft.com/office/drawing/2014/main" id="{F0134ED3-9236-A05F-1F39-C7C758628BF9}"/>
               </a:ext>
             </a:extLst>
           </p:cNvPr>
@@ -16471,16 +16670,20 @@
           <a:bodyPr/>
           <a:lstStyle/>
           <a:p>
-            <a:endParaRPr lang="en-US"/>
-          </a:p>
-        </p:txBody>
-      </p:sp>
-      <p:sp>
-        <p:nvSpPr>
-          <p:cNvPr id="3" name="Date Placeholder 2">
-            <a:extLst>
-              <a:ext uri="{FF2B5EF4-FFF2-40B4-BE49-F238E27FC236}">
-                <a16:creationId xmlns:a16="http://schemas.microsoft.com/office/drawing/2014/main" id="{DBB93E08-10A1-A27C-A78C-F0EAC46DB33D}"/>
+            <a:r>
+              <a:rPr lang="en-US" dirty="0"/>
+              <a:t>VHDL ‘process’ structure </a:t>
+            </a:r>
+            <a:endParaRPr lang="it-IT" dirty="0"/>
+          </a:p>
+        </p:txBody>
+      </p:sp>
+      <p:sp>
+        <p:nvSpPr>
+          <p:cNvPr id="3" name="Segnaposto data 2">
+            <a:extLst>
+              <a:ext uri="{FF2B5EF4-FFF2-40B4-BE49-F238E27FC236}">
+                <a16:creationId xmlns:a16="http://schemas.microsoft.com/office/drawing/2014/main" id="{A7D23A22-6C16-61BC-9413-D367DDB51313}"/>
               </a:ext>
             </a:extLst>
           </p:cNvPr>
@@ -16505,10 +16708,10 @@
       </p:sp>
       <p:sp>
         <p:nvSpPr>
-          <p:cNvPr id="4" name="Footer Placeholder 3">
-            <a:extLst>
-              <a:ext uri="{FF2B5EF4-FFF2-40B4-BE49-F238E27FC236}">
-                <a16:creationId xmlns:a16="http://schemas.microsoft.com/office/drawing/2014/main" id="{C548BF43-53A7-1712-7DFE-2FF72D04AD29}"/>
+          <p:cNvPr id="4" name="Segnaposto piè di pagina 3">
+            <a:extLst>
+              <a:ext uri="{FF2B5EF4-FFF2-40B4-BE49-F238E27FC236}">
+                <a16:creationId xmlns:a16="http://schemas.microsoft.com/office/drawing/2014/main" id="{01501F64-7644-5764-111A-C9F6069A7ECF}"/>
               </a:ext>
             </a:extLst>
           </p:cNvPr>
@@ -16533,10 +16736,10 @@
       </p:sp>
       <p:sp>
         <p:nvSpPr>
-          <p:cNvPr id="5" name="Slide Number Placeholder 4">
-            <a:extLst>
-              <a:ext uri="{FF2B5EF4-FFF2-40B4-BE49-F238E27FC236}">
-                <a16:creationId xmlns:a16="http://schemas.microsoft.com/office/drawing/2014/main" id="{1A3604C0-F26E-7F39-A6DB-E2AF70468402}"/>
+          <p:cNvPr id="5" name="Segnaposto numero diapositiva 4">
+            <a:extLst>
+              <a:ext uri="{FF2B5EF4-FFF2-40B4-BE49-F238E27FC236}">
+                <a16:creationId xmlns:a16="http://schemas.microsoft.com/office/drawing/2014/main" id="{991F2BF1-42FD-4521-8835-E995EA628C51}"/>
               </a:ext>
             </a:extLst>
           </p:cNvPr>
@@ -16560,10 +16763,249 @@
           </a:p>
         </p:txBody>
       </p:sp>
+      <p:pic>
+        <p:nvPicPr>
+          <p:cNvPr id="7" name="Immagine 6">
+            <a:extLst>
+              <a:ext uri="{FF2B5EF4-FFF2-40B4-BE49-F238E27FC236}">
+                <a16:creationId xmlns:a16="http://schemas.microsoft.com/office/drawing/2014/main" id="{73F144B4-EE89-CDA7-9444-C8700D1813F5}"/>
+              </a:ext>
+            </a:extLst>
+          </p:cNvPr>
+          <p:cNvPicPr>
+            <a:picLocks noChangeAspect="1"/>
+          </p:cNvPicPr>
+          <p:nvPr/>
+        </p:nvPicPr>
+        <p:blipFill>
+          <a:blip r:embed="rId2"/>
+          <a:stretch>
+            <a:fillRect/>
+          </a:stretch>
+        </p:blipFill>
+        <p:spPr>
+          <a:xfrm>
+            <a:off x="518807" y="1492205"/>
+            <a:ext cx="3927070" cy="4341035"/>
+          </a:xfrm>
+          <a:prstGeom prst="rect">
+            <a:avLst/>
+          </a:prstGeom>
+        </p:spPr>
+      </p:pic>
+      <p:sp>
+        <p:nvSpPr>
+          <p:cNvPr id="9" name="CasellaDiTesto 8">
+            <a:extLst>
+              <a:ext uri="{FF2B5EF4-FFF2-40B4-BE49-F238E27FC236}">
+                <a16:creationId xmlns:a16="http://schemas.microsoft.com/office/drawing/2014/main" id="{AC3BB7DF-ECBA-ED7B-5535-BA93FA1DF080}"/>
+              </a:ext>
+            </a:extLst>
+          </p:cNvPr>
+          <p:cNvSpPr txBox="1"/>
+          <p:nvPr/>
+        </p:nvSpPr>
+        <p:spPr>
+          <a:xfrm>
+            <a:off x="4785713" y="1295087"/>
+            <a:ext cx="6887480" cy="923330"/>
+          </a:xfrm>
+          <a:prstGeom prst="rect">
+            <a:avLst/>
+          </a:prstGeom>
+          <a:noFill/>
+        </p:spPr>
+        <p:txBody>
+          <a:bodyPr wrap="square">
+            <a:spAutoFit/>
+          </a:bodyPr>
+          <a:lstStyle/>
+          <a:p>
+            <a:pPr>
+              <a:buNone/>
+            </a:pPr>
+            <a:r>
+              <a:rPr lang="en-US" dirty="0"/>
+              <a:t>“In VHDL, the process statement contains </a:t>
+            </a:r>
+            <a:r>
+              <a:rPr lang="en-US" b="1" dirty="0"/>
+              <a:t>sequential</a:t>
+            </a:r>
+            <a:r>
+              <a:rPr lang="en-US" dirty="0"/>
+              <a:t> statements.</a:t>
+            </a:r>
+          </a:p>
+          <a:p>
+            <a:pPr>
+              <a:buNone/>
+            </a:pPr>
+            <a:r>
+              <a:rPr lang="en-US" dirty="0"/>
+              <a:t>Processes are only permitted inside an architecture. The statements within processes execute sequentially, not concurrently.”</a:t>
+            </a:r>
+          </a:p>
+        </p:txBody>
+      </p:sp>
+      <p:pic>
+        <p:nvPicPr>
+          <p:cNvPr id="11" name="Immagine 10" descr="Immagine che contiene testo, schermata, Carattere, numero&#10;&#10;Il contenuto generato dall'IA potrebbe non essere corretto.">
+            <a:extLst>
+              <a:ext uri="{FF2B5EF4-FFF2-40B4-BE49-F238E27FC236}">
+                <a16:creationId xmlns:a16="http://schemas.microsoft.com/office/drawing/2014/main" id="{9012A768-BD53-9504-65AB-06196804310E}"/>
+              </a:ext>
+            </a:extLst>
+          </p:cNvPr>
+          <p:cNvPicPr>
+            <a:picLocks noChangeAspect="1"/>
+          </p:cNvPicPr>
+          <p:nvPr/>
+        </p:nvPicPr>
+        <p:blipFill>
+          <a:blip r:embed="rId3"/>
+          <a:stretch>
+            <a:fillRect/>
+          </a:stretch>
+        </p:blipFill>
+        <p:spPr>
+          <a:xfrm>
+            <a:off x="8817241" y="3613666"/>
+            <a:ext cx="3196961" cy="2430519"/>
+          </a:xfrm>
+          <a:prstGeom prst="rect">
+            <a:avLst/>
+          </a:prstGeom>
+        </p:spPr>
+      </p:pic>
+      <p:sp>
+        <p:nvSpPr>
+          <p:cNvPr id="13" name="CasellaDiTesto 12">
+            <a:extLst>
+              <a:ext uri="{FF2B5EF4-FFF2-40B4-BE49-F238E27FC236}">
+                <a16:creationId xmlns:a16="http://schemas.microsoft.com/office/drawing/2014/main" id="{7C0D8C84-8AB2-D90E-30F0-0EE9B954F3E1}"/>
+              </a:ext>
+            </a:extLst>
+          </p:cNvPr>
+          <p:cNvSpPr txBox="1"/>
+          <p:nvPr/>
+        </p:nvSpPr>
+        <p:spPr>
+          <a:xfrm>
+            <a:off x="8892245" y="3244334"/>
+            <a:ext cx="2680137" cy="369332"/>
+          </a:xfrm>
+          <a:prstGeom prst="rect">
+            <a:avLst/>
+          </a:prstGeom>
+          <a:noFill/>
+        </p:spPr>
+        <p:txBody>
+          <a:bodyPr wrap="square">
+            <a:spAutoFit/>
+          </a:bodyPr>
+          <a:lstStyle/>
+          <a:p>
+            <a:pPr>
+              <a:buNone/>
+            </a:pPr>
+            <a:r>
+              <a:rPr lang="it-IT" b="1" dirty="0" err="1"/>
+              <a:t>Sequential</a:t>
+            </a:r>
+            <a:r>
+              <a:rPr lang="it-IT" b="1" dirty="0"/>
+              <a:t> </a:t>
+            </a:r>
+            <a:r>
+              <a:rPr lang="it-IT" b="1" dirty="0" err="1"/>
+              <a:t>logic</a:t>
+            </a:r>
+            <a:endParaRPr lang="it-IT" b="1" dirty="0"/>
+          </a:p>
+        </p:txBody>
+      </p:sp>
+      <p:pic>
+        <p:nvPicPr>
+          <p:cNvPr id="15" name="Immagine 14" descr="Immagine che contiene testo, schermata, Carattere, numero&#10;&#10;Il contenuto generato dall'IA potrebbe non essere corretto.">
+            <a:extLst>
+              <a:ext uri="{FF2B5EF4-FFF2-40B4-BE49-F238E27FC236}">
+                <a16:creationId xmlns:a16="http://schemas.microsoft.com/office/drawing/2014/main" id="{C1CB0D1D-AEEC-5993-9BE2-0149DC5F2FF2}"/>
+              </a:ext>
+            </a:extLst>
+          </p:cNvPr>
+          <p:cNvPicPr>
+            <a:picLocks noChangeAspect="1"/>
+          </p:cNvPicPr>
+          <p:nvPr/>
+        </p:nvPicPr>
+        <p:blipFill>
+          <a:blip r:embed="rId4"/>
+          <a:stretch>
+            <a:fillRect/>
+          </a:stretch>
+        </p:blipFill>
+        <p:spPr>
+          <a:xfrm>
+            <a:off x="4697591" y="3662722"/>
+            <a:ext cx="3942939" cy="2160703"/>
+          </a:xfrm>
+          <a:prstGeom prst="rect">
+            <a:avLst/>
+          </a:prstGeom>
+        </p:spPr>
+      </p:pic>
+      <p:sp>
+        <p:nvSpPr>
+          <p:cNvPr id="17" name="CasellaDiTesto 16">
+            <a:extLst>
+              <a:ext uri="{FF2B5EF4-FFF2-40B4-BE49-F238E27FC236}">
+                <a16:creationId xmlns:a16="http://schemas.microsoft.com/office/drawing/2014/main" id="{BF397580-0893-78A0-EBBB-4AF3AF7C4D07}"/>
+              </a:ext>
+            </a:extLst>
+          </p:cNvPr>
+          <p:cNvSpPr txBox="1"/>
+          <p:nvPr/>
+        </p:nvSpPr>
+        <p:spPr>
+          <a:xfrm>
+            <a:off x="5094890" y="3248854"/>
+            <a:ext cx="2504089" cy="369332"/>
+          </a:xfrm>
+          <a:prstGeom prst="rect">
+            <a:avLst/>
+          </a:prstGeom>
+          <a:noFill/>
+        </p:spPr>
+        <p:txBody>
+          <a:bodyPr wrap="square">
+            <a:spAutoFit/>
+          </a:bodyPr>
+          <a:lstStyle/>
+          <a:p>
+            <a:pPr>
+              <a:buNone/>
+            </a:pPr>
+            <a:r>
+              <a:rPr lang="it-IT" b="1" dirty="0" err="1"/>
+              <a:t>Combinational</a:t>
+            </a:r>
+            <a:r>
+              <a:rPr lang="it-IT" b="1" dirty="0"/>
+              <a:t> </a:t>
+            </a:r>
+            <a:r>
+              <a:rPr lang="it-IT" b="1" dirty="0" err="1"/>
+              <a:t>logic</a:t>
+            </a:r>
+            <a:endParaRPr lang="it-IT" b="1" dirty="0"/>
+          </a:p>
+        </p:txBody>
+      </p:sp>
     </p:spTree>
     <p:extLst>
       <p:ext uri="{BB962C8B-B14F-4D97-AF65-F5344CB8AC3E}">
-        <p14:creationId xmlns:p14="http://schemas.microsoft.com/office/powerpoint/2010/main" val="685546159"/>
+        <p14:creationId xmlns:p14="http://schemas.microsoft.com/office/powerpoint/2010/main" val="2818227347"/>
       </p:ext>
     </p:extLst>
   </p:cSld>
@@ -16592,10 +17034,10 @@
       </p:grpSpPr>
       <p:sp>
         <p:nvSpPr>
-          <p:cNvPr id="2" name="Title 1">
-            <a:extLst>
-              <a:ext uri="{FF2B5EF4-FFF2-40B4-BE49-F238E27FC236}">
-                <a16:creationId xmlns:a16="http://schemas.microsoft.com/office/drawing/2014/main" id="{3C7D5277-4495-FDEC-ABDA-88806E58E2A6}"/>
+          <p:cNvPr id="2" name="Titolo 1">
+            <a:extLst>
+              <a:ext uri="{FF2B5EF4-FFF2-40B4-BE49-F238E27FC236}">
+                <a16:creationId xmlns:a16="http://schemas.microsoft.com/office/drawing/2014/main" id="{8AEC0473-59CE-4122-69A7-A6337EA3B117}"/>
               </a:ext>
             </a:extLst>
           </p:cNvPr>
@@ -16611,16 +17053,28 @@
           <a:bodyPr/>
           <a:lstStyle/>
           <a:p>
-            <a:endParaRPr lang="en-US"/>
-          </a:p>
-        </p:txBody>
-      </p:sp>
-      <p:sp>
-        <p:nvSpPr>
-          <p:cNvPr id="3" name="Date Placeholder 2">
-            <a:extLst>
-              <a:ext uri="{FF2B5EF4-FFF2-40B4-BE49-F238E27FC236}">
-                <a16:creationId xmlns:a16="http://schemas.microsoft.com/office/drawing/2014/main" id="{2E83E77F-ECF8-040D-7360-0486EC93F7BC}"/>
+            <a:r>
+              <a:rPr lang="it-IT" dirty="0" err="1"/>
+              <a:t>If</a:t>
+            </a:r>
+            <a:r>
+              <a:rPr lang="it-IT" dirty="0"/>
+              <a:t>/else </a:t>
+            </a:r>
+            <a:r>
+              <a:rPr lang="it-IT" dirty="0" err="1"/>
+              <a:t>statement</a:t>
+            </a:r>
+            <a:endParaRPr lang="it-IT" dirty="0"/>
+          </a:p>
+        </p:txBody>
+      </p:sp>
+      <p:sp>
+        <p:nvSpPr>
+          <p:cNvPr id="3" name="Segnaposto data 2">
+            <a:extLst>
+              <a:ext uri="{FF2B5EF4-FFF2-40B4-BE49-F238E27FC236}">
+                <a16:creationId xmlns:a16="http://schemas.microsoft.com/office/drawing/2014/main" id="{1D844DCE-55D1-8AF3-39E0-7A1A29E8ADC6}"/>
               </a:ext>
             </a:extLst>
           </p:cNvPr>
@@ -16645,10 +17099,10 @@
       </p:sp>
       <p:sp>
         <p:nvSpPr>
-          <p:cNvPr id="4" name="Footer Placeholder 3">
-            <a:extLst>
-              <a:ext uri="{FF2B5EF4-FFF2-40B4-BE49-F238E27FC236}">
-                <a16:creationId xmlns:a16="http://schemas.microsoft.com/office/drawing/2014/main" id="{1808AB27-8B60-8BF9-44A4-56F63A2C55F7}"/>
+          <p:cNvPr id="4" name="Segnaposto piè di pagina 3">
+            <a:extLst>
+              <a:ext uri="{FF2B5EF4-FFF2-40B4-BE49-F238E27FC236}">
+                <a16:creationId xmlns:a16="http://schemas.microsoft.com/office/drawing/2014/main" id="{6D03E241-E832-D1DC-6335-43B11E70E4B4}"/>
               </a:ext>
             </a:extLst>
           </p:cNvPr>
@@ -16673,10 +17127,10 @@
       </p:sp>
       <p:sp>
         <p:nvSpPr>
-          <p:cNvPr id="5" name="Slide Number Placeholder 4">
-            <a:extLst>
-              <a:ext uri="{FF2B5EF4-FFF2-40B4-BE49-F238E27FC236}">
-                <a16:creationId xmlns:a16="http://schemas.microsoft.com/office/drawing/2014/main" id="{E8DFFDCF-D593-CD1A-FF1C-BCD98597BA44}"/>
+          <p:cNvPr id="5" name="Segnaposto numero diapositiva 4">
+            <a:extLst>
+              <a:ext uri="{FF2B5EF4-FFF2-40B4-BE49-F238E27FC236}">
+                <a16:creationId xmlns:a16="http://schemas.microsoft.com/office/drawing/2014/main" id="{564FF623-C3FD-D68F-2F1D-D79355EC8869}"/>
               </a:ext>
             </a:extLst>
           </p:cNvPr>
@@ -16700,10 +17154,40 @@
           </a:p>
         </p:txBody>
       </p:sp>
+      <p:pic>
+        <p:nvPicPr>
+          <p:cNvPr id="6" name="Immagine 5">
+            <a:extLst>
+              <a:ext uri="{FF2B5EF4-FFF2-40B4-BE49-F238E27FC236}">
+                <a16:creationId xmlns:a16="http://schemas.microsoft.com/office/drawing/2014/main" id="{6237B2BD-0DF2-C06A-7F6B-6D29777F60A2}"/>
+              </a:ext>
+            </a:extLst>
+          </p:cNvPr>
+          <p:cNvPicPr>
+            <a:picLocks noChangeAspect="1"/>
+          </p:cNvPicPr>
+          <p:nvPr/>
+        </p:nvPicPr>
+        <p:blipFill>
+          <a:blip r:embed="rId2"/>
+          <a:stretch>
+            <a:fillRect/>
+          </a:stretch>
+        </p:blipFill>
+        <p:spPr>
+          <a:xfrm>
+            <a:off x="7400588" y="867103"/>
+            <a:ext cx="3740830" cy="4595089"/>
+          </a:xfrm>
+          <a:prstGeom prst="rect">
+            <a:avLst/>
+          </a:prstGeom>
+        </p:spPr>
+      </p:pic>
     </p:spTree>
     <p:extLst>
       <p:ext uri="{BB962C8B-B14F-4D97-AF65-F5344CB8AC3E}">
-        <p14:creationId xmlns:p14="http://schemas.microsoft.com/office/powerpoint/2010/main" val="1267880139"/>
+        <p14:creationId xmlns:p14="http://schemas.microsoft.com/office/powerpoint/2010/main" val="376747563"/>
       </p:ext>
     </p:extLst>
   </p:cSld>
@@ -16986,10 +17470,10 @@
       </p:grpSpPr>
       <p:sp>
         <p:nvSpPr>
-          <p:cNvPr id="2" name="Title 1">
-            <a:extLst>
-              <a:ext uri="{FF2B5EF4-FFF2-40B4-BE49-F238E27FC236}">
-                <a16:creationId xmlns:a16="http://schemas.microsoft.com/office/drawing/2014/main" id="{F4A152F9-1315-EB3A-F533-EEF1B8E1CCD2}"/>
+          <p:cNvPr id="2" name="Titolo 1">
+            <a:extLst>
+              <a:ext uri="{FF2B5EF4-FFF2-40B4-BE49-F238E27FC236}">
+                <a16:creationId xmlns:a16="http://schemas.microsoft.com/office/drawing/2014/main" id="{16350971-9205-2F79-6D71-452E6B4902CD}"/>
               </a:ext>
             </a:extLst>
           </p:cNvPr>
@@ -17005,16 +17489,32 @@
           <a:bodyPr/>
           <a:lstStyle/>
           <a:p>
-            <a:endParaRPr lang="en-US"/>
-          </a:p>
-        </p:txBody>
-      </p:sp>
-      <p:sp>
-        <p:nvSpPr>
-          <p:cNvPr id="3" name="Date Placeholder 2">
-            <a:extLst>
-              <a:ext uri="{FF2B5EF4-FFF2-40B4-BE49-F238E27FC236}">
-                <a16:creationId xmlns:a16="http://schemas.microsoft.com/office/drawing/2014/main" id="{27B245B9-077D-F015-E650-12EF52CEE022}"/>
+            <a:r>
+              <a:rPr lang="it-IT" dirty="0"/>
+              <a:t>Case/</a:t>
+            </a:r>
+            <a:r>
+              <a:rPr lang="it-IT" dirty="0" err="1"/>
+              <a:t>when</a:t>
+            </a:r>
+            <a:r>
+              <a:rPr lang="it-IT" dirty="0"/>
+              <a:t>  </a:t>
+            </a:r>
+            <a:r>
+              <a:rPr lang="it-IT" dirty="0" err="1"/>
+              <a:t>statement</a:t>
+            </a:r>
+            <a:endParaRPr lang="it-IT" dirty="0"/>
+          </a:p>
+        </p:txBody>
+      </p:sp>
+      <p:sp>
+        <p:nvSpPr>
+          <p:cNvPr id="3" name="Segnaposto data 2">
+            <a:extLst>
+              <a:ext uri="{FF2B5EF4-FFF2-40B4-BE49-F238E27FC236}">
+                <a16:creationId xmlns:a16="http://schemas.microsoft.com/office/drawing/2014/main" id="{970F6CF4-669A-1C25-A8DD-67564CBD371C}"/>
               </a:ext>
             </a:extLst>
           </p:cNvPr>
@@ -17039,10 +17539,10 @@
       </p:sp>
       <p:sp>
         <p:nvSpPr>
-          <p:cNvPr id="4" name="Footer Placeholder 3">
-            <a:extLst>
-              <a:ext uri="{FF2B5EF4-FFF2-40B4-BE49-F238E27FC236}">
-                <a16:creationId xmlns:a16="http://schemas.microsoft.com/office/drawing/2014/main" id="{2D2817D1-8E38-ACB9-FD4B-65307D3C948A}"/>
+          <p:cNvPr id="4" name="Segnaposto piè di pagina 3">
+            <a:extLst>
+              <a:ext uri="{FF2B5EF4-FFF2-40B4-BE49-F238E27FC236}">
+                <a16:creationId xmlns:a16="http://schemas.microsoft.com/office/drawing/2014/main" id="{510ECFAC-BF10-AEA7-FB6C-899EAF66F02D}"/>
               </a:ext>
             </a:extLst>
           </p:cNvPr>
@@ -17067,10 +17567,10 @@
       </p:sp>
       <p:sp>
         <p:nvSpPr>
-          <p:cNvPr id="5" name="Slide Number Placeholder 4">
-            <a:extLst>
-              <a:ext uri="{FF2B5EF4-FFF2-40B4-BE49-F238E27FC236}">
-                <a16:creationId xmlns:a16="http://schemas.microsoft.com/office/drawing/2014/main" id="{F44FF973-F1C4-6B56-6C40-B7339B3E057B}"/>
+          <p:cNvPr id="5" name="Segnaposto numero diapositiva 4">
+            <a:extLst>
+              <a:ext uri="{FF2B5EF4-FFF2-40B4-BE49-F238E27FC236}">
+                <a16:creationId xmlns:a16="http://schemas.microsoft.com/office/drawing/2014/main" id="{A30EBB4A-48CD-4735-8499-125DFBE744A8}"/>
               </a:ext>
             </a:extLst>
           </p:cNvPr>
@@ -17094,290 +17594,40 @@
           </a:p>
         </p:txBody>
       </p:sp>
+      <p:pic>
+        <p:nvPicPr>
+          <p:cNvPr id="6" name="Immagine 5">
+            <a:extLst>
+              <a:ext uri="{FF2B5EF4-FFF2-40B4-BE49-F238E27FC236}">
+                <a16:creationId xmlns:a16="http://schemas.microsoft.com/office/drawing/2014/main" id="{07BFED02-1F92-5582-0F62-B05D9AED4444}"/>
+              </a:ext>
+            </a:extLst>
+          </p:cNvPr>
+          <p:cNvPicPr>
+            <a:picLocks noChangeAspect="1"/>
+          </p:cNvPicPr>
+          <p:nvPr/>
+        </p:nvPicPr>
+        <p:blipFill>
+          <a:blip r:embed="rId2"/>
+          <a:stretch>
+            <a:fillRect/>
+          </a:stretch>
+        </p:blipFill>
+        <p:spPr>
+          <a:xfrm>
+            <a:off x="7337428" y="1185334"/>
+            <a:ext cx="3867150" cy="4733925"/>
+          </a:xfrm>
+          <a:prstGeom prst="rect">
+            <a:avLst/>
+          </a:prstGeom>
+        </p:spPr>
+      </p:pic>
     </p:spTree>
     <p:extLst>
       <p:ext uri="{BB962C8B-B14F-4D97-AF65-F5344CB8AC3E}">
-        <p14:creationId xmlns:p14="http://schemas.microsoft.com/office/powerpoint/2010/main" val="3565938705"/>
-      </p:ext>
-    </p:extLst>
-  </p:cSld>
-  <p:clrMapOvr>
-    <a:masterClrMapping/>
-  </p:clrMapOvr>
-</p:sld>
-</file>
-
-<file path=ppt/slides/slide51.xml><?xml version="1.0" encoding="utf-8"?>
-<p:sld xmlns:a="http://schemas.openxmlformats.org/drawingml/2006/main" xmlns:r="http://schemas.openxmlformats.org/officeDocument/2006/relationships" xmlns:p="http://schemas.openxmlformats.org/presentationml/2006/main">
-  <p:cSld>
-    <p:spTree>
-      <p:nvGrpSpPr>
-        <p:cNvPr id="1" name=""/>
-        <p:cNvGrpSpPr/>
-        <p:nvPr/>
-      </p:nvGrpSpPr>
-      <p:grpSpPr>
-        <a:xfrm>
-          <a:off x="0" y="0"/>
-          <a:ext cx="0" cy="0"/>
-          <a:chOff x="0" y="0"/>
-          <a:chExt cx="0" cy="0"/>
-        </a:xfrm>
-      </p:grpSpPr>
-      <p:sp>
-        <p:nvSpPr>
-          <p:cNvPr id="2" name="Title 1">
-            <a:extLst>
-              <a:ext uri="{FF2B5EF4-FFF2-40B4-BE49-F238E27FC236}">
-                <a16:creationId xmlns:a16="http://schemas.microsoft.com/office/drawing/2014/main" id="{385FF2DD-860C-86EA-D744-9488CCC4CABF}"/>
-              </a:ext>
-            </a:extLst>
-          </p:cNvPr>
-          <p:cNvSpPr>
-            <a:spLocks noGrp="1"/>
-          </p:cNvSpPr>
-          <p:nvPr>
-            <p:ph type="title"/>
-          </p:nvPr>
-        </p:nvSpPr>
-        <p:spPr/>
-        <p:txBody>
-          <a:bodyPr/>
-          <a:lstStyle/>
-          <a:p>
-            <a:endParaRPr lang="en-US"/>
-          </a:p>
-        </p:txBody>
-      </p:sp>
-      <p:sp>
-        <p:nvSpPr>
-          <p:cNvPr id="3" name="Date Placeholder 2">
-            <a:extLst>
-              <a:ext uri="{FF2B5EF4-FFF2-40B4-BE49-F238E27FC236}">
-                <a16:creationId xmlns:a16="http://schemas.microsoft.com/office/drawing/2014/main" id="{96625686-A93B-3E76-0A6C-9530B16B77D8}"/>
-              </a:ext>
-            </a:extLst>
-          </p:cNvPr>
-          <p:cNvSpPr>
-            <a:spLocks noGrp="1"/>
-          </p:cNvSpPr>
-          <p:nvPr>
-            <p:ph type="dt" sz="half" idx="10"/>
-          </p:nvPr>
-        </p:nvSpPr>
-        <p:spPr/>
-        <p:txBody>
-          <a:bodyPr/>
-          <a:lstStyle/>
-          <a:p>
-            <a:r>
-              <a:rPr lang="en-US"/>
-              <a:t>19/01/2026</a:t>
-            </a:r>
-          </a:p>
-        </p:txBody>
-      </p:sp>
-      <p:sp>
-        <p:nvSpPr>
-          <p:cNvPr id="4" name="Footer Placeholder 3">
-            <a:extLst>
-              <a:ext uri="{FF2B5EF4-FFF2-40B4-BE49-F238E27FC236}">
-                <a16:creationId xmlns:a16="http://schemas.microsoft.com/office/drawing/2014/main" id="{6404C499-4DB7-98BA-C7A0-18CE134D165E}"/>
-              </a:ext>
-            </a:extLst>
-          </p:cNvPr>
-          <p:cNvSpPr>
-            <a:spLocks noGrp="1"/>
-          </p:cNvSpPr>
-          <p:nvPr>
-            <p:ph type="ftr" sz="quarter" idx="11"/>
-          </p:nvPr>
-        </p:nvSpPr>
-        <p:spPr/>
-        <p:txBody>
-          <a:bodyPr/>
-          <a:lstStyle/>
-          <a:p>
-            <a:r>
-              <a:rPr lang="en-US"/>
-              <a:t>Stefan Cristi Zugravel, elettronica base, TPS lezione 3</a:t>
-            </a:r>
-          </a:p>
-        </p:txBody>
-      </p:sp>
-      <p:sp>
-        <p:nvSpPr>
-          <p:cNvPr id="5" name="Slide Number Placeholder 4">
-            <a:extLst>
-              <a:ext uri="{FF2B5EF4-FFF2-40B4-BE49-F238E27FC236}">
-                <a16:creationId xmlns:a16="http://schemas.microsoft.com/office/drawing/2014/main" id="{38632992-9508-68C1-7078-5C7B417FA950}"/>
-              </a:ext>
-            </a:extLst>
-          </p:cNvPr>
-          <p:cNvSpPr>
-            <a:spLocks noGrp="1"/>
-          </p:cNvSpPr>
-          <p:nvPr>
-            <p:ph type="sldNum" sz="quarter" idx="12"/>
-          </p:nvPr>
-        </p:nvSpPr>
-        <p:spPr/>
-        <p:txBody>
-          <a:bodyPr/>
-          <a:lstStyle/>
-          <a:p>
-            <a:fld id="{B7C12E76-5DE4-834B-BE10-AD31AA7B20EC}" type="slidenum">
-              <a:rPr lang="en-US" smtClean="0"/>
-              <a:t>51</a:t>
-            </a:fld>
-            <a:endParaRPr lang="en-US"/>
-          </a:p>
-        </p:txBody>
-      </p:sp>
-    </p:spTree>
-    <p:extLst>
-      <p:ext uri="{BB962C8B-B14F-4D97-AF65-F5344CB8AC3E}">
-        <p14:creationId xmlns:p14="http://schemas.microsoft.com/office/powerpoint/2010/main" val="1587237343"/>
-      </p:ext>
-    </p:extLst>
-  </p:cSld>
-  <p:clrMapOvr>
-    <a:masterClrMapping/>
-  </p:clrMapOvr>
-</p:sld>
-</file>
-
-<file path=ppt/slides/slide52.xml><?xml version="1.0" encoding="utf-8"?>
-<p:sld xmlns:a="http://schemas.openxmlformats.org/drawingml/2006/main" xmlns:r="http://schemas.openxmlformats.org/officeDocument/2006/relationships" xmlns:p="http://schemas.openxmlformats.org/presentationml/2006/main">
-  <p:cSld>
-    <p:spTree>
-      <p:nvGrpSpPr>
-        <p:cNvPr id="1" name=""/>
-        <p:cNvGrpSpPr/>
-        <p:nvPr/>
-      </p:nvGrpSpPr>
-      <p:grpSpPr>
-        <a:xfrm>
-          <a:off x="0" y="0"/>
-          <a:ext cx="0" cy="0"/>
-          <a:chOff x="0" y="0"/>
-          <a:chExt cx="0" cy="0"/>
-        </a:xfrm>
-      </p:grpSpPr>
-      <p:sp>
-        <p:nvSpPr>
-          <p:cNvPr id="2" name="Title 1">
-            <a:extLst>
-              <a:ext uri="{FF2B5EF4-FFF2-40B4-BE49-F238E27FC236}">
-                <a16:creationId xmlns:a16="http://schemas.microsoft.com/office/drawing/2014/main" id="{589DA994-3A1F-D51F-0D79-11AC134B9270}"/>
-              </a:ext>
-            </a:extLst>
-          </p:cNvPr>
-          <p:cNvSpPr>
-            <a:spLocks noGrp="1"/>
-          </p:cNvSpPr>
-          <p:nvPr>
-            <p:ph type="title"/>
-          </p:nvPr>
-        </p:nvSpPr>
-        <p:spPr/>
-        <p:txBody>
-          <a:bodyPr/>
-          <a:lstStyle/>
-          <a:p>
-            <a:endParaRPr lang="en-US"/>
-          </a:p>
-        </p:txBody>
-      </p:sp>
-      <p:sp>
-        <p:nvSpPr>
-          <p:cNvPr id="3" name="Date Placeholder 2">
-            <a:extLst>
-              <a:ext uri="{FF2B5EF4-FFF2-40B4-BE49-F238E27FC236}">
-                <a16:creationId xmlns:a16="http://schemas.microsoft.com/office/drawing/2014/main" id="{45E9E0C5-EA71-0DD3-98CE-D959AE58ECF4}"/>
-              </a:ext>
-            </a:extLst>
-          </p:cNvPr>
-          <p:cNvSpPr>
-            <a:spLocks noGrp="1"/>
-          </p:cNvSpPr>
-          <p:nvPr>
-            <p:ph type="dt" sz="half" idx="10"/>
-          </p:nvPr>
-        </p:nvSpPr>
-        <p:spPr/>
-        <p:txBody>
-          <a:bodyPr/>
-          <a:lstStyle/>
-          <a:p>
-            <a:r>
-              <a:rPr lang="en-US"/>
-              <a:t>19/01/2026</a:t>
-            </a:r>
-          </a:p>
-        </p:txBody>
-      </p:sp>
-      <p:sp>
-        <p:nvSpPr>
-          <p:cNvPr id="4" name="Footer Placeholder 3">
-            <a:extLst>
-              <a:ext uri="{FF2B5EF4-FFF2-40B4-BE49-F238E27FC236}">
-                <a16:creationId xmlns:a16="http://schemas.microsoft.com/office/drawing/2014/main" id="{628E45C9-1C50-4A7B-AFE5-2E9F3A0E90D9}"/>
-              </a:ext>
-            </a:extLst>
-          </p:cNvPr>
-          <p:cNvSpPr>
-            <a:spLocks noGrp="1"/>
-          </p:cNvSpPr>
-          <p:nvPr>
-            <p:ph type="ftr" sz="quarter" idx="11"/>
-          </p:nvPr>
-        </p:nvSpPr>
-        <p:spPr/>
-        <p:txBody>
-          <a:bodyPr/>
-          <a:lstStyle/>
-          <a:p>
-            <a:r>
-              <a:rPr lang="en-US"/>
-              <a:t>Stefan Cristi Zugravel, elettronica base, TPS lezione 3</a:t>
-            </a:r>
-          </a:p>
-        </p:txBody>
-      </p:sp>
-      <p:sp>
-        <p:nvSpPr>
-          <p:cNvPr id="5" name="Slide Number Placeholder 4">
-            <a:extLst>
-              <a:ext uri="{FF2B5EF4-FFF2-40B4-BE49-F238E27FC236}">
-                <a16:creationId xmlns:a16="http://schemas.microsoft.com/office/drawing/2014/main" id="{1D2178B6-B23F-056C-7C2E-EE17142A8B24}"/>
-              </a:ext>
-            </a:extLst>
-          </p:cNvPr>
-          <p:cNvSpPr>
-            <a:spLocks noGrp="1"/>
-          </p:cNvSpPr>
-          <p:nvPr>
-            <p:ph type="sldNum" sz="quarter" idx="12"/>
-          </p:nvPr>
-        </p:nvSpPr>
-        <p:spPr/>
-        <p:txBody>
-          <a:bodyPr/>
-          <a:lstStyle/>
-          <a:p>
-            <a:fld id="{B7C12E76-5DE4-834B-BE10-AD31AA7B20EC}" type="slidenum">
-              <a:rPr lang="en-US" smtClean="0"/>
-              <a:t>52</a:t>
-            </a:fld>
-            <a:endParaRPr lang="en-US"/>
-          </a:p>
-        </p:txBody>
-      </p:sp>
-    </p:spTree>
-    <p:extLst>
-      <p:ext uri="{BB962C8B-B14F-4D97-AF65-F5344CB8AC3E}">
-        <p14:creationId xmlns:p14="http://schemas.microsoft.com/office/powerpoint/2010/main" val="3125778947"/>
+        <p14:creationId xmlns:p14="http://schemas.microsoft.com/office/powerpoint/2010/main" val="3435224948"/>
       </p:ext>
     </p:extLst>
   </p:cSld>

--- a/slides/lezione3.pptx
+++ b/slides/lezione3.pptx
@@ -246,7 +246,7 @@
           <a:p>
             <a:fld id="{E39E4411-F617-6844-B543-1D0C1529BD09}" type="datetimeFigureOut">
               <a:rPr lang="en-US" smtClean="0"/>
-              <a:t>12/26/2025</a:t>
+              <a:t>12/27/2025</a:t>
             </a:fld>
             <a:endParaRPr lang="en-US"/>
           </a:p>
@@ -11293,8 +11293,8 @@
         </p:blipFill>
         <p:spPr bwMode="auto">
           <a:xfrm>
-            <a:off x="433417" y="3817686"/>
-            <a:ext cx="4114800" cy="2448139"/>
+            <a:off x="400627" y="3155197"/>
+            <a:ext cx="5007950" cy="2979527"/>
           </a:xfrm>
           <a:prstGeom prst="rect">
             <a:avLst/>
